--- a/slides/sglang_adoption_logo.pptx
+++ b/slides/sglang_adoption_logo.pptx
@@ -5,10 +5,11 @@
     <p:sldMasterId id="2147483648" r:id="rId1"/>
   </p:sldMasterIdLst>
   <p:notesMasterIdLst>
-    <p:notesMasterId r:id="rId3"/>
+    <p:notesMasterId r:id="rId4"/>
   </p:notesMasterIdLst>
   <p:sldIdLst>
     <p:sldId id="262" r:id="rId2"/>
+    <p:sldId id="263" r:id="rId3"/>
   </p:sldIdLst>
   <p:sldSz cx="14630400" cy="8229600"/>
   <p:notesSz cx="8229600" cy="14630400"/>
@@ -1994,6 +1995,1334 @@
 </p:sld>
 </file>
 
+<file path=ppt/slides/slide2.xml><?xml version="1.0" encoding="utf-8"?>
+<p:sld xmlns:a="http://schemas.openxmlformats.org/drawingml/2006/main" xmlns:r="http://schemas.openxmlformats.org/officeDocument/2006/relationships" xmlns:p="http://schemas.openxmlformats.org/presentationml/2006/main">
+  <p:cSld>
+    <p:spTree>
+      <p:nvGrpSpPr>
+        <p:cNvPr id="1" name="">
+          <a:extLst>
+            <a:ext uri="{FF2B5EF4-FFF2-40B4-BE49-F238E27FC236}">
+              <a16:creationId xmlns:a16="http://schemas.microsoft.com/office/drawing/2014/main" id="{49BE6D37-CF2A-51B7-BEBE-6491C68D927B}"/>
+            </a:ext>
+          </a:extLst>
+        </p:cNvPr>
+        <p:cNvGrpSpPr/>
+        <p:nvPr/>
+      </p:nvGrpSpPr>
+      <p:grpSpPr>
+        <a:xfrm>
+          <a:off x="0" y="0"/>
+          <a:ext cx="0" cy="0"/>
+          <a:chOff x="0" y="0"/>
+          <a:chExt cx="0" cy="0"/>
+        </a:xfrm>
+      </p:grpSpPr>
+      <p:sp>
+        <p:nvSpPr>
+          <p:cNvPr id="22" name="Text 0">
+            <a:extLst>
+              <a:ext uri="{FF2B5EF4-FFF2-40B4-BE49-F238E27FC236}">
+                <a16:creationId xmlns:a16="http://schemas.microsoft.com/office/drawing/2014/main" id="{3C244911-6469-E7E6-9815-E10AC06E77FA}"/>
+              </a:ext>
+            </a:extLst>
+          </p:cNvPr>
+          <p:cNvSpPr/>
+          <p:nvPr/>
+        </p:nvSpPr>
+        <p:spPr>
+          <a:xfrm>
+            <a:off x="716280" y="1052989"/>
+            <a:ext cx="10322123" cy="639485"/>
+          </a:xfrm>
+          <a:prstGeom prst="rect">
+            <a:avLst/>
+          </a:prstGeom>
+          <a:noFill/>
+          <a:ln/>
+        </p:spPr>
+        <p:txBody>
+          <a:bodyPr wrap="none" lIns="0" tIns="0" rIns="0" bIns="0" rtlCol="0" anchor="t"/>
+          <a:lstStyle/>
+          <a:p>
+            <a:pPr marL="0" indent="0">
+              <a:lnSpc>
+                <a:spcPts val="5000"/>
+              </a:lnSpc>
+              <a:buNone/>
+            </a:pPr>
+            <a:r>
+              <a:rPr lang="en-US" sz="4000" b="1" kern="0" spc="-121" dirty="0">
+                <a:solidFill>
+                  <a:srgbClr val="000000"/>
+                </a:solidFill>
+                <a:latin typeface="Inter Bold" pitchFamily="34" charset="0"/>
+                <a:ea typeface="Inter Bold" pitchFamily="34" charset="-122"/>
+                <a:cs typeface="Inter Bold" pitchFamily="34" charset="-120"/>
+              </a:rPr>
+              <a:t>SGLang adoption</a:t>
+            </a:r>
+            <a:endParaRPr lang="en-US" sz="4000" dirty="0"/>
+          </a:p>
+        </p:txBody>
+      </p:sp>
+      <p:grpSp>
+        <p:nvGrpSpPr>
+          <p:cNvPr id="2" name="Group 1">
+            <a:extLst>
+              <a:ext uri="{FF2B5EF4-FFF2-40B4-BE49-F238E27FC236}">
+                <a16:creationId xmlns:a16="http://schemas.microsoft.com/office/drawing/2014/main" id="{FA9688D1-5927-0ABA-039B-70568136D217}"/>
+              </a:ext>
+            </a:extLst>
+          </p:cNvPr>
+          <p:cNvGrpSpPr/>
+          <p:nvPr/>
+        </p:nvGrpSpPr>
+        <p:grpSpPr>
+          <a:xfrm>
+            <a:off x="629959" y="2101874"/>
+            <a:ext cx="13370482" cy="4635449"/>
+            <a:chOff x="99409" y="2207209"/>
+            <a:chExt cx="14396558" cy="4991183"/>
+          </a:xfrm>
+        </p:grpSpPr>
+        <p:pic>
+          <p:nvPicPr>
+            <p:cNvPr id="8" name="Picture 7" descr="Baseten Announces the Launch of Baseten on Google Cloud Marketplace with  Early Access for Hybrid Mode, Delivering Exceptional Flexibility and Scale  for AI Workloads">
+              <a:extLst>
+                <a:ext uri="{FF2B5EF4-FFF2-40B4-BE49-F238E27FC236}">
+                  <a16:creationId xmlns:a16="http://schemas.microsoft.com/office/drawing/2014/main" id="{90306DC9-F4B4-FDB5-9E69-3A970781F04B}"/>
+                </a:ext>
+              </a:extLst>
+            </p:cNvPr>
+            <p:cNvPicPr>
+              <a:picLocks noChangeAspect="1" noChangeArrowheads="1"/>
+            </p:cNvPicPr>
+            <p:nvPr/>
+          </p:nvPicPr>
+          <p:blipFill>
+            <a:blip r:embed="rId2">
+              <a:extLst>
+                <a:ext uri="{28A0092B-C50C-407E-A947-70E740481C1C}">
+                  <a14:useLocalDpi xmlns:a14="http://schemas.microsoft.com/office/drawing/2010/main" val="0"/>
+                </a:ext>
+              </a:extLst>
+            </a:blip>
+            <a:srcRect/>
+            <a:stretch>
+              <a:fillRect/>
+            </a:stretch>
+          </p:blipFill>
+          <p:spPr bwMode="auto">
+            <a:xfrm>
+              <a:off x="405618" y="4298788"/>
+              <a:ext cx="2126054" cy="1113544"/>
+            </a:xfrm>
+            <a:prstGeom prst="rect">
+              <a:avLst/>
+            </a:prstGeom>
+            <a:noFill/>
+            <a:extLst>
+              <a:ext uri="{909E8E84-426E-40DD-AFC4-6F175D3DCCD1}">
+                <a14:hiddenFill xmlns:a14="http://schemas.microsoft.com/office/drawing/2010/main">
+                  <a:solidFill>
+                    <a:srgbClr val="FFFFFF"/>
+                  </a:solidFill>
+                </a14:hiddenFill>
+              </a:ext>
+            </a:extLst>
+          </p:spPr>
+        </p:pic>
+        <p:pic>
+          <p:nvPicPr>
+            <p:cNvPr id="9" name="Image 0">
+              <a:extLst>
+                <a:ext uri="{FF2B5EF4-FFF2-40B4-BE49-F238E27FC236}">
+                  <a16:creationId xmlns:a16="http://schemas.microsoft.com/office/drawing/2014/main" id="{71A9F141-DBF1-F8F2-97E6-A6D934EAC197}"/>
+                </a:ext>
+              </a:extLst>
+            </p:cNvPr>
+            <p:cNvPicPr>
+              <a:picLocks noChangeAspect="1"/>
+            </p:cNvPicPr>
+            <p:nvPr/>
+          </p:nvPicPr>
+          <p:blipFill>
+            <a:blip r:embed="rId3"/>
+            <a:stretch>
+              <a:fillRect/>
+            </a:stretch>
+          </p:blipFill>
+          <p:spPr>
+            <a:xfrm>
+              <a:off x="4891323" y="2333158"/>
+              <a:ext cx="2071630" cy="896203"/>
+            </a:xfrm>
+            <a:prstGeom prst="rect">
+              <a:avLst/>
+            </a:prstGeom>
+          </p:spPr>
+        </p:pic>
+        <p:pic>
+          <p:nvPicPr>
+            <p:cNvPr id="11" name="Image 1">
+              <a:extLst>
+                <a:ext uri="{FF2B5EF4-FFF2-40B4-BE49-F238E27FC236}">
+                  <a16:creationId xmlns:a16="http://schemas.microsoft.com/office/drawing/2014/main" id="{292408F5-CFEB-D413-AA6B-CADF82144970}"/>
+                </a:ext>
+              </a:extLst>
+            </p:cNvPr>
+            <p:cNvPicPr>
+              <a:picLocks noChangeAspect="1"/>
+            </p:cNvPicPr>
+            <p:nvPr/>
+          </p:nvPicPr>
+          <p:blipFill>
+            <a:blip r:embed="rId4"/>
+            <a:stretch>
+              <a:fillRect/>
+            </a:stretch>
+          </p:blipFill>
+          <p:spPr>
+            <a:xfrm>
+              <a:off x="99409" y="2244729"/>
+              <a:ext cx="1238448" cy="990846"/>
+            </a:xfrm>
+            <a:prstGeom prst="rect">
+              <a:avLst/>
+            </a:prstGeom>
+          </p:spPr>
+        </p:pic>
+        <p:pic>
+          <p:nvPicPr>
+            <p:cNvPr id="13" name="Image 3">
+              <a:extLst>
+                <a:ext uri="{FF2B5EF4-FFF2-40B4-BE49-F238E27FC236}">
+                  <a16:creationId xmlns:a16="http://schemas.microsoft.com/office/drawing/2014/main" id="{883F4F9D-2031-2F81-AF84-17D1DEAEB5CA}"/>
+                </a:ext>
+              </a:extLst>
+            </p:cNvPr>
+            <p:cNvPicPr>
+              <a:picLocks noChangeAspect="1"/>
+            </p:cNvPicPr>
+            <p:nvPr/>
+          </p:nvPicPr>
+          <p:blipFill>
+            <a:blip r:embed="rId5"/>
+            <a:stretch>
+              <a:fillRect/>
+            </a:stretch>
+          </p:blipFill>
+          <p:spPr>
+            <a:xfrm>
+              <a:off x="1580236" y="2371982"/>
+              <a:ext cx="2865120" cy="818555"/>
+            </a:xfrm>
+            <a:prstGeom prst="rect">
+              <a:avLst/>
+            </a:prstGeom>
+          </p:spPr>
+        </p:pic>
+        <p:pic>
+          <p:nvPicPr>
+            <p:cNvPr id="14" name="Picture 13">
+              <a:extLst>
+                <a:ext uri="{FF2B5EF4-FFF2-40B4-BE49-F238E27FC236}">
+                  <a16:creationId xmlns:a16="http://schemas.microsoft.com/office/drawing/2014/main" id="{833E1871-B607-3AF9-310A-40E5D6EAD277}"/>
+                </a:ext>
+              </a:extLst>
+            </p:cNvPr>
+            <p:cNvPicPr>
+              <a:picLocks noChangeAspect="1"/>
+            </p:cNvPicPr>
+            <p:nvPr/>
+          </p:nvPicPr>
+          <p:blipFill>
+            <a:blip r:embed="rId6"/>
+            <a:stretch>
+              <a:fillRect/>
+            </a:stretch>
+          </p:blipFill>
+          <p:spPr>
+            <a:xfrm>
+              <a:off x="10036812" y="3551765"/>
+              <a:ext cx="2804493" cy="575856"/>
+            </a:xfrm>
+            <a:prstGeom prst="rect">
+              <a:avLst/>
+            </a:prstGeom>
+          </p:spPr>
+        </p:pic>
+        <p:pic>
+          <p:nvPicPr>
+            <p:cNvPr id="16" name="Picture 15" descr="Cursor owner buys AI coding assistant Supermaven - Indie Hackers">
+              <a:extLst>
+                <a:ext uri="{FF2B5EF4-FFF2-40B4-BE49-F238E27FC236}">
+                  <a16:creationId xmlns:a16="http://schemas.microsoft.com/office/drawing/2014/main" id="{580A6C43-D7BC-0C84-AB47-839BAFAE1405}"/>
+                </a:ext>
+              </a:extLst>
+            </p:cNvPr>
+            <p:cNvPicPr>
+              <a:picLocks noChangeAspect="1" noChangeArrowheads="1"/>
+            </p:cNvPicPr>
+            <p:nvPr/>
+          </p:nvPicPr>
+          <p:blipFill rotWithShape="1">
+            <a:blip r:embed="rId7">
+              <a:extLst>
+                <a:ext uri="{28A0092B-C50C-407E-A947-70E740481C1C}">
+                  <a14:useLocalDpi xmlns:a14="http://schemas.microsoft.com/office/drawing/2010/main" val="0"/>
+                </a:ext>
+              </a:extLst>
+            </a:blip>
+            <a:srcRect t="29161" b="34801"/>
+            <a:stretch/>
+          </p:blipFill>
+          <p:spPr bwMode="auto">
+            <a:xfrm>
+              <a:off x="2809342" y="3554035"/>
+              <a:ext cx="2816596" cy="571316"/>
+            </a:xfrm>
+            <a:prstGeom prst="rect">
+              <a:avLst/>
+            </a:prstGeom>
+            <a:noFill/>
+            <a:extLst>
+              <a:ext uri="{909E8E84-426E-40DD-AFC4-6F175D3DCCD1}">
+                <a14:hiddenFill xmlns:a14="http://schemas.microsoft.com/office/drawing/2010/main">
+                  <a:solidFill>
+                    <a:srgbClr val="FFFFFF"/>
+                  </a:solidFill>
+                </a14:hiddenFill>
+              </a:ext>
+            </a:extLst>
+          </p:spPr>
+        </p:pic>
+        <p:pic>
+          <p:nvPicPr>
+            <p:cNvPr id="17" name="Picture 16">
+              <a:extLst>
+                <a:ext uri="{FF2B5EF4-FFF2-40B4-BE49-F238E27FC236}">
+                  <a16:creationId xmlns:a16="http://schemas.microsoft.com/office/drawing/2014/main" id="{14DF33C3-107D-ED97-D2EB-98419ECA922D}"/>
+                </a:ext>
+              </a:extLst>
+            </p:cNvPr>
+            <p:cNvPicPr>
+              <a:picLocks noChangeAspect="1"/>
+            </p:cNvPicPr>
+            <p:nvPr/>
+          </p:nvPicPr>
+          <p:blipFill>
+            <a:blip r:embed="rId8"/>
+            <a:stretch>
+              <a:fillRect/>
+            </a:stretch>
+          </p:blipFill>
+          <p:spPr>
+            <a:xfrm>
+              <a:off x="13200567" y="3363443"/>
+              <a:ext cx="952500" cy="952500"/>
+            </a:xfrm>
+            <a:prstGeom prst="rect">
+              <a:avLst/>
+            </a:prstGeom>
+          </p:spPr>
+        </p:pic>
+        <p:pic>
+          <p:nvPicPr>
+            <p:cNvPr id="18" name="Picture 17" descr="J&amp;T Studios: Latest News — Jam &amp; Tea Studios">
+              <a:extLst>
+                <a:ext uri="{FF2B5EF4-FFF2-40B4-BE49-F238E27FC236}">
+                  <a16:creationId xmlns:a16="http://schemas.microsoft.com/office/drawing/2014/main" id="{907B39C7-6E7A-1BFA-0DC7-8ADFA0A516FB}"/>
+                </a:ext>
+              </a:extLst>
+            </p:cNvPr>
+            <p:cNvPicPr>
+              <a:picLocks noChangeAspect="1" noChangeArrowheads="1"/>
+            </p:cNvPicPr>
+            <p:nvPr/>
+          </p:nvPicPr>
+          <p:blipFill>
+            <a:blip r:embed="rId9">
+              <a:extLst>
+                <a:ext uri="{28A0092B-C50C-407E-A947-70E740481C1C}">
+                  <a14:useLocalDpi xmlns:a14="http://schemas.microsoft.com/office/drawing/2010/main" val="0"/>
+                </a:ext>
+              </a:extLst>
+            </a:blip>
+            <a:srcRect/>
+            <a:stretch>
+              <a:fillRect/>
+            </a:stretch>
+          </p:blipFill>
+          <p:spPr bwMode="auto">
+            <a:xfrm>
+              <a:off x="10118000" y="5493807"/>
+              <a:ext cx="683870" cy="744005"/>
+            </a:xfrm>
+            <a:prstGeom prst="rect">
+              <a:avLst/>
+            </a:prstGeom>
+            <a:noFill/>
+            <a:extLst>
+              <a:ext uri="{909E8E84-426E-40DD-AFC4-6F175D3DCCD1}">
+                <a14:hiddenFill xmlns:a14="http://schemas.microsoft.com/office/drawing/2010/main">
+                  <a:solidFill>
+                    <a:srgbClr val="FFFFFF"/>
+                  </a:solidFill>
+                </a14:hiddenFill>
+              </a:ext>
+            </a:extLst>
+          </p:spPr>
+        </p:pic>
+        <p:pic>
+          <p:nvPicPr>
+            <p:cNvPr id="19" name="Picture 18" descr="Etched Raises $120M in Funding">
+              <a:extLst>
+                <a:ext uri="{FF2B5EF4-FFF2-40B4-BE49-F238E27FC236}">
+                  <a16:creationId xmlns:a16="http://schemas.microsoft.com/office/drawing/2014/main" id="{1CFEAAF7-5C93-5B65-6F6A-04F2F48AF81E}"/>
+                </a:ext>
+              </a:extLst>
+            </p:cNvPr>
+            <p:cNvPicPr>
+              <a:picLocks noChangeAspect="1" noChangeArrowheads="1"/>
+            </p:cNvPicPr>
+            <p:nvPr/>
+          </p:nvPicPr>
+          <p:blipFill rotWithShape="1">
+            <a:blip r:embed="rId10">
+              <a:extLst>
+                <a:ext uri="{28A0092B-C50C-407E-A947-70E740481C1C}">
+                  <a14:useLocalDpi xmlns:a14="http://schemas.microsoft.com/office/drawing/2010/main" val="0"/>
+                </a:ext>
+              </a:extLst>
+            </a:blip>
+            <a:srcRect l="17231" t="36429" r="16153" b="35972"/>
+            <a:stretch/>
+          </p:blipFill>
+          <p:spPr bwMode="auto">
+            <a:xfrm>
+              <a:off x="7301570" y="5559313"/>
+              <a:ext cx="2071630" cy="612992"/>
+            </a:xfrm>
+            <a:prstGeom prst="rect">
+              <a:avLst/>
+            </a:prstGeom>
+            <a:noFill/>
+            <a:extLst>
+              <a:ext uri="{909E8E84-426E-40DD-AFC4-6F175D3DCCD1}">
+                <a14:hiddenFill xmlns:a14="http://schemas.microsoft.com/office/drawing/2010/main">
+                  <a:solidFill>
+                    <a:srgbClr val="FFFFFF"/>
+                  </a:solidFill>
+                </a14:hiddenFill>
+              </a:ext>
+            </a:extLst>
+          </p:spPr>
+        </p:pic>
+        <p:pic>
+          <p:nvPicPr>
+            <p:cNvPr id="20" name="Picture 19">
+              <a:extLst>
+                <a:ext uri="{FF2B5EF4-FFF2-40B4-BE49-F238E27FC236}">
+                  <a16:creationId xmlns:a16="http://schemas.microsoft.com/office/drawing/2014/main" id="{6E7AA7A0-D21C-C6C5-F647-903F96775D20}"/>
+                </a:ext>
+              </a:extLst>
+            </p:cNvPr>
+            <p:cNvPicPr>
+              <a:picLocks noChangeAspect="1" noChangeArrowheads="1"/>
+            </p:cNvPicPr>
+            <p:nvPr/>
+          </p:nvPicPr>
+          <p:blipFill>
+            <a:blip r:embed="rId11">
+              <a:extLst>
+                <a:ext uri="{28A0092B-C50C-407E-A947-70E740481C1C}">
+                  <a14:useLocalDpi xmlns:a14="http://schemas.microsoft.com/office/drawing/2010/main" val="0"/>
+                </a:ext>
+              </a:extLst>
+            </a:blip>
+            <a:srcRect/>
+            <a:stretch>
+              <a:fillRect/>
+            </a:stretch>
+          </p:blipFill>
+          <p:spPr bwMode="auto">
+            <a:xfrm>
+              <a:off x="3705029" y="6611939"/>
+              <a:ext cx="1899712" cy="481524"/>
+            </a:xfrm>
+            <a:prstGeom prst="rect">
+              <a:avLst/>
+            </a:prstGeom>
+            <a:noFill/>
+            <a:extLst>
+              <a:ext uri="{909E8E84-426E-40DD-AFC4-6F175D3DCCD1}">
+                <a14:hiddenFill xmlns:a14="http://schemas.microsoft.com/office/drawing/2010/main">
+                  <a:solidFill>
+                    <a:srgbClr val="FFFFFF"/>
+                  </a:solidFill>
+                </a14:hiddenFill>
+              </a:ext>
+            </a:extLst>
+          </p:spPr>
+        </p:pic>
+        <p:pic>
+          <p:nvPicPr>
+            <p:cNvPr id="21" name="Picture 20" descr="Nebius Secures $700M to Accelerate AI Infrastructure Expansion - Great  Entrepreneurs">
+              <a:extLst>
+                <a:ext uri="{FF2B5EF4-FFF2-40B4-BE49-F238E27FC236}">
+                  <a16:creationId xmlns:a16="http://schemas.microsoft.com/office/drawing/2014/main" id="{606D7C1D-10CA-4FFE-2A14-503BD3C93640}"/>
+                </a:ext>
+              </a:extLst>
+            </p:cNvPr>
+            <p:cNvPicPr>
+              <a:picLocks noChangeAspect="1" noChangeArrowheads="1"/>
+            </p:cNvPicPr>
+            <p:nvPr/>
+          </p:nvPicPr>
+          <p:blipFill rotWithShape="1">
+            <a:blip r:embed="rId12">
+              <a:extLst>
+                <a:ext uri="{28A0092B-C50C-407E-A947-70E740481C1C}">
+                  <a14:useLocalDpi xmlns:a14="http://schemas.microsoft.com/office/drawing/2010/main" val="0"/>
+                </a:ext>
+              </a:extLst>
+            </a:blip>
+            <a:srcRect l="-1" t="30147" r="556" b="28730"/>
+            <a:stretch/>
+          </p:blipFill>
+          <p:spPr bwMode="auto">
+            <a:xfrm>
+              <a:off x="3438239" y="4528400"/>
+              <a:ext cx="2109692" cy="654321"/>
+            </a:xfrm>
+            <a:prstGeom prst="rect">
+              <a:avLst/>
+            </a:prstGeom>
+            <a:noFill/>
+            <a:extLst>
+              <a:ext uri="{909E8E84-426E-40DD-AFC4-6F175D3DCCD1}">
+                <a14:hiddenFill xmlns:a14="http://schemas.microsoft.com/office/drawing/2010/main">
+                  <a:solidFill>
+                    <a:srgbClr val="FFFFFF"/>
+                  </a:solidFill>
+                </a14:hiddenFill>
+              </a:ext>
+            </a:extLst>
+          </p:spPr>
+        </p:pic>
+        <p:pic>
+          <p:nvPicPr>
+            <p:cNvPr id="23" name="Picture 22" descr="Novita AI Logo PNG Vector (SVG) Free Download">
+              <a:extLst>
+                <a:ext uri="{FF2B5EF4-FFF2-40B4-BE49-F238E27FC236}">
+                  <a16:creationId xmlns:a16="http://schemas.microsoft.com/office/drawing/2014/main" id="{629B1EAE-B575-2CFF-8FE1-7FF8070AED87}"/>
+                </a:ext>
+              </a:extLst>
+            </p:cNvPr>
+            <p:cNvPicPr>
+              <a:picLocks noChangeAspect="1" noChangeArrowheads="1"/>
+            </p:cNvPicPr>
+            <p:nvPr/>
+          </p:nvPicPr>
+          <p:blipFill rotWithShape="1">
+            <a:blip r:embed="rId13">
+              <a:extLst>
+                <a:ext uri="{28A0092B-C50C-407E-A947-70E740481C1C}">
+                  <a14:useLocalDpi xmlns:a14="http://schemas.microsoft.com/office/drawing/2010/main" val="0"/>
+                </a:ext>
+              </a:extLst>
+            </a:blip>
+            <a:srcRect l="1488" t="39581" b="39566"/>
+            <a:stretch/>
+          </p:blipFill>
+          <p:spPr bwMode="auto">
+            <a:xfrm>
+              <a:off x="6407134" y="4607485"/>
+              <a:ext cx="2343889" cy="496150"/>
+            </a:xfrm>
+            <a:prstGeom prst="rect">
+              <a:avLst/>
+            </a:prstGeom>
+            <a:noFill/>
+            <a:extLst>
+              <a:ext uri="{909E8E84-426E-40DD-AFC4-6F175D3DCCD1}">
+                <a14:hiddenFill xmlns:a14="http://schemas.microsoft.com/office/drawing/2010/main">
+                  <a:solidFill>
+                    <a:srgbClr val="FFFFFF"/>
+                  </a:solidFill>
+                </a14:hiddenFill>
+              </a:ext>
+            </a:extLst>
+          </p:spPr>
+        </p:pic>
+        <p:pic>
+          <p:nvPicPr>
+            <p:cNvPr id="24" name="Image 12">
+              <a:extLst>
+                <a:ext uri="{FF2B5EF4-FFF2-40B4-BE49-F238E27FC236}">
+                  <a16:creationId xmlns:a16="http://schemas.microsoft.com/office/drawing/2014/main" id="{BA9ADD95-9D5B-EC45-FB7E-727E16EA6B5E}"/>
+                </a:ext>
+              </a:extLst>
+            </p:cNvPr>
+            <p:cNvPicPr>
+              <a:picLocks noChangeAspect="1"/>
+            </p:cNvPicPr>
+            <p:nvPr/>
+          </p:nvPicPr>
+          <p:blipFill>
+            <a:blip r:embed="rId14"/>
+            <a:stretch>
+              <a:fillRect/>
+            </a:stretch>
+          </p:blipFill>
+          <p:spPr>
+            <a:xfrm>
+              <a:off x="12028553" y="4392655"/>
+              <a:ext cx="2359402" cy="900411"/>
+            </a:xfrm>
+            <a:prstGeom prst="rect">
+              <a:avLst/>
+            </a:prstGeom>
+          </p:spPr>
+        </p:pic>
+        <p:pic>
+          <p:nvPicPr>
+            <p:cNvPr id="25" name="Picture 24" descr="UC Berkeley seal &amp; logo (revised)">
+              <a:extLst>
+                <a:ext uri="{FF2B5EF4-FFF2-40B4-BE49-F238E27FC236}">
+                  <a16:creationId xmlns:a16="http://schemas.microsoft.com/office/drawing/2014/main" id="{04A547E5-6103-AC9A-3C92-74E4BD955E02}"/>
+                </a:ext>
+              </a:extLst>
+            </p:cNvPr>
+            <p:cNvPicPr>
+              <a:picLocks noChangeAspect="1" noChangeArrowheads="1"/>
+            </p:cNvPicPr>
+            <p:nvPr/>
+          </p:nvPicPr>
+          <p:blipFill>
+            <a:blip r:embed="rId15">
+              <a:extLst>
+                <a:ext uri="{28A0092B-C50C-407E-A947-70E740481C1C}">
+                  <a14:useLocalDpi xmlns:a14="http://schemas.microsoft.com/office/drawing/2010/main" val="0"/>
+                </a:ext>
+              </a:extLst>
+            </a:blip>
+            <a:srcRect/>
+            <a:stretch>
+              <a:fillRect/>
+            </a:stretch>
+          </p:blipFill>
+          <p:spPr bwMode="auto">
+            <a:xfrm>
+              <a:off x="3025276" y="5615417"/>
+              <a:ext cx="1926225" cy="500785"/>
+            </a:xfrm>
+            <a:prstGeom prst="rect">
+              <a:avLst/>
+            </a:prstGeom>
+            <a:noFill/>
+            <a:extLst>
+              <a:ext uri="{909E8E84-426E-40DD-AFC4-6F175D3DCCD1}">
+                <a14:hiddenFill xmlns:a14="http://schemas.microsoft.com/office/drawing/2010/main">
+                  <a:solidFill>
+                    <a:srgbClr val="FFFFFF"/>
+                  </a:solidFill>
+                </a14:hiddenFill>
+              </a:ext>
+            </a:extLst>
+          </p:spPr>
+        </p:pic>
+        <p:pic>
+          <p:nvPicPr>
+            <p:cNvPr id="26" name="Picture 25" descr="01.AI | LinkedIn">
+              <a:extLst>
+                <a:ext uri="{FF2B5EF4-FFF2-40B4-BE49-F238E27FC236}">
+                  <a16:creationId xmlns:a16="http://schemas.microsoft.com/office/drawing/2014/main" id="{0EF46977-CA64-D5C9-00B8-9625FDA84540}"/>
+                </a:ext>
+              </a:extLst>
+            </p:cNvPr>
+            <p:cNvPicPr>
+              <a:picLocks noChangeAspect="1" noChangeArrowheads="1"/>
+            </p:cNvPicPr>
+            <p:nvPr/>
+          </p:nvPicPr>
+          <p:blipFill rotWithShape="1">
+            <a:blip r:embed="rId16">
+              <a:extLst>
+                <a:ext uri="{28A0092B-C50C-407E-A947-70E740481C1C}">
+                  <a14:useLocalDpi xmlns:a14="http://schemas.microsoft.com/office/drawing/2010/main" val="0"/>
+                </a:ext>
+              </a:extLst>
+            </a:blip>
+            <a:srcRect t="24350" b="27549"/>
+            <a:stretch/>
+          </p:blipFill>
+          <p:spPr bwMode="auto">
+            <a:xfrm>
+              <a:off x="9113541" y="6583210"/>
+              <a:ext cx="1278950" cy="615182"/>
+            </a:xfrm>
+            <a:prstGeom prst="rect">
+              <a:avLst/>
+            </a:prstGeom>
+            <a:noFill/>
+            <a:extLst>
+              <a:ext uri="{909E8E84-426E-40DD-AFC4-6F175D3DCCD1}">
+                <a14:hiddenFill xmlns:a14="http://schemas.microsoft.com/office/drawing/2010/main">
+                  <a:solidFill>
+                    <a:srgbClr val="FFFFFF"/>
+                  </a:solidFill>
+                </a14:hiddenFill>
+              </a:ext>
+            </a:extLst>
+          </p:spPr>
+        </p:pic>
+        <p:pic>
+          <p:nvPicPr>
+            <p:cNvPr id="27" name="Picture 26" descr="UCLA Bruins - Wikipedia">
+              <a:extLst>
+                <a:ext uri="{FF2B5EF4-FFF2-40B4-BE49-F238E27FC236}">
+                  <a16:creationId xmlns:a16="http://schemas.microsoft.com/office/drawing/2014/main" id="{4C933A80-818D-4E43-D94A-237FEABF9B98}"/>
+                </a:ext>
+              </a:extLst>
+            </p:cNvPr>
+            <p:cNvPicPr>
+              <a:picLocks noChangeAspect="1" noChangeArrowheads="1"/>
+            </p:cNvPicPr>
+            <p:nvPr/>
+          </p:nvPicPr>
+          <p:blipFill>
+            <a:blip r:embed="rId17">
+              <a:extLst>
+                <a:ext uri="{28A0092B-C50C-407E-A947-70E740481C1C}">
+                  <a14:useLocalDpi xmlns:a14="http://schemas.microsoft.com/office/drawing/2010/main" val="0"/>
+                </a:ext>
+              </a:extLst>
+            </a:blip>
+            <a:srcRect/>
+            <a:stretch>
+              <a:fillRect/>
+            </a:stretch>
+          </p:blipFill>
+          <p:spPr bwMode="auto">
+            <a:xfrm>
+              <a:off x="5624495" y="5624431"/>
+              <a:ext cx="1004081" cy="482757"/>
+            </a:xfrm>
+            <a:prstGeom prst="rect">
+              <a:avLst/>
+            </a:prstGeom>
+            <a:noFill/>
+            <a:extLst>
+              <a:ext uri="{909E8E84-426E-40DD-AFC4-6F175D3DCCD1}">
+                <a14:hiddenFill xmlns:a14="http://schemas.microsoft.com/office/drawing/2010/main">
+                  <a:solidFill>
+                    <a:srgbClr val="FFFFFF"/>
+                  </a:solidFill>
+                </a14:hiddenFill>
+              </a:ext>
+            </a:extLst>
+          </p:spPr>
+        </p:pic>
+        <p:pic>
+          <p:nvPicPr>
+            <p:cNvPr id="28" name="Picture 27" descr="Combinations - Identity Guide">
+              <a:extLst>
+                <a:ext uri="{FF2B5EF4-FFF2-40B4-BE49-F238E27FC236}">
+                  <a16:creationId xmlns:a16="http://schemas.microsoft.com/office/drawing/2014/main" id="{C8A4B143-F789-137B-1B8A-42DF1C653366}"/>
+                </a:ext>
+              </a:extLst>
+            </p:cNvPr>
+            <p:cNvPicPr>
+              <a:picLocks noChangeAspect="1" noChangeArrowheads="1"/>
+            </p:cNvPicPr>
+            <p:nvPr/>
+          </p:nvPicPr>
+          <p:blipFill>
+            <a:blip r:embed="rId18">
+              <a:extLst>
+                <a:ext uri="{28A0092B-C50C-407E-A947-70E740481C1C}">
+                  <a14:useLocalDpi xmlns:a14="http://schemas.microsoft.com/office/drawing/2010/main" val="0"/>
+                </a:ext>
+              </a:extLst>
+            </a:blip>
+            <a:srcRect/>
+            <a:stretch>
+              <a:fillRect/>
+            </a:stretch>
+          </p:blipFill>
+          <p:spPr bwMode="auto">
+            <a:xfrm>
+              <a:off x="362557" y="5527964"/>
+              <a:ext cx="1926225" cy="675691"/>
+            </a:xfrm>
+            <a:prstGeom prst="rect">
+              <a:avLst/>
+            </a:prstGeom>
+            <a:noFill/>
+            <a:extLst>
+              <a:ext uri="{909E8E84-426E-40DD-AFC4-6F175D3DCCD1}">
+                <a14:hiddenFill xmlns:a14="http://schemas.microsoft.com/office/drawing/2010/main">
+                  <a:solidFill>
+                    <a:srgbClr val="FFFFFF"/>
+                  </a:solidFill>
+                </a14:hiddenFill>
+              </a:ext>
+            </a:extLst>
+          </p:spPr>
+        </p:pic>
+        <p:pic>
+          <p:nvPicPr>
+            <p:cNvPr id="29" name="Picture 28" descr="Hyperbolic">
+              <a:extLst>
+                <a:ext uri="{FF2B5EF4-FFF2-40B4-BE49-F238E27FC236}">
+                  <a16:creationId xmlns:a16="http://schemas.microsoft.com/office/drawing/2014/main" id="{DFF77135-D485-18AF-BA6E-FD78976424CB}"/>
+                </a:ext>
+              </a:extLst>
+            </p:cNvPr>
+            <p:cNvPicPr>
+              <a:picLocks noChangeAspect="1" noChangeArrowheads="1"/>
+            </p:cNvPicPr>
+            <p:nvPr/>
+          </p:nvPicPr>
+          <p:blipFill>
+            <a:blip r:embed="rId19">
+              <a:extLst>
+                <a:ext uri="{28A0092B-C50C-407E-A947-70E740481C1C}">
+                  <a14:useLocalDpi xmlns:a14="http://schemas.microsoft.com/office/drawing/2010/main" val="0"/>
+                </a:ext>
+              </a:extLst>
+            </a:blip>
+            <a:srcRect/>
+            <a:stretch>
+              <a:fillRect/>
+            </a:stretch>
+          </p:blipFill>
+          <p:spPr bwMode="auto">
+            <a:xfrm>
+              <a:off x="11546672" y="5564285"/>
+              <a:ext cx="2695295" cy="603049"/>
+            </a:xfrm>
+            <a:prstGeom prst="rect">
+              <a:avLst/>
+            </a:prstGeom>
+            <a:noFill/>
+            <a:extLst>
+              <a:ext uri="{909E8E84-426E-40DD-AFC4-6F175D3DCCD1}">
+                <a14:hiddenFill xmlns:a14="http://schemas.microsoft.com/office/drawing/2010/main">
+                  <a:solidFill>
+                    <a:srgbClr val="FFFFFF"/>
+                  </a:solidFill>
+                </a14:hiddenFill>
+              </a:ext>
+            </a:extLst>
+          </p:spPr>
+        </p:pic>
+        <p:pic>
+          <p:nvPicPr>
+            <p:cNvPr id="30" name="Picture 29">
+              <a:extLst>
+                <a:ext uri="{FF2B5EF4-FFF2-40B4-BE49-F238E27FC236}">
+                  <a16:creationId xmlns:a16="http://schemas.microsoft.com/office/drawing/2014/main" id="{0B787B22-F549-C2A4-52C2-E469C1011EA9}"/>
+                </a:ext>
+              </a:extLst>
+            </p:cNvPr>
+            <p:cNvPicPr>
+              <a:picLocks noChangeAspect="1"/>
+            </p:cNvPicPr>
+            <p:nvPr/>
+          </p:nvPicPr>
+          <p:blipFill>
+            <a:blip r:embed="rId20"/>
+            <a:stretch>
+              <a:fillRect/>
+            </a:stretch>
+          </p:blipFill>
+          <p:spPr>
+            <a:xfrm>
+              <a:off x="413357" y="3575158"/>
+              <a:ext cx="2036724" cy="529071"/>
+            </a:xfrm>
+            <a:prstGeom prst="rect">
+              <a:avLst/>
+            </a:prstGeom>
+          </p:spPr>
+        </p:pic>
+        <p:pic>
+          <p:nvPicPr>
+            <p:cNvPr id="31" name="Graphic 7">
+              <a:extLst>
+                <a:ext uri="{FF2B5EF4-FFF2-40B4-BE49-F238E27FC236}">
+                  <a16:creationId xmlns:a16="http://schemas.microsoft.com/office/drawing/2014/main" id="{5DC7474D-0877-2283-D1CB-C1A78B2FDD58}"/>
+                </a:ext>
+              </a:extLst>
+            </p:cNvPr>
+            <p:cNvPicPr>
+              <a:picLocks noChangeAspect="1"/>
+            </p:cNvPicPr>
+            <p:nvPr/>
+          </p:nvPicPr>
+          <p:blipFill>
+            <a:blip r:embed="rId21">
+              <a:extLst>
+                <a:ext uri="{96DAC541-7B7A-43D3-8B79-37D633B846F1}">
+                  <asvg:svgBlip xmlns:asvg="http://schemas.microsoft.com/office/drawing/2016/SVG/main" r:embed="rId22"/>
+                </a:ext>
+              </a:extLst>
+            </a:blip>
+            <a:stretch>
+              <a:fillRect/>
+            </a:stretch>
+          </p:blipFill>
+          <p:spPr>
+            <a:xfrm>
+              <a:off x="7504207" y="2570095"/>
+              <a:ext cx="2955728" cy="516535"/>
+            </a:xfrm>
+            <a:prstGeom prst="rect">
+              <a:avLst/>
+            </a:prstGeom>
+          </p:spPr>
+        </p:pic>
+        <p:pic>
+          <p:nvPicPr>
+            <p:cNvPr id="32" name="Picture 31" descr="A red and white logo&#10;&#10;AI-generated content may be incorrect.">
+              <a:extLst>
+                <a:ext uri="{FF2B5EF4-FFF2-40B4-BE49-F238E27FC236}">
+                  <a16:creationId xmlns:a16="http://schemas.microsoft.com/office/drawing/2014/main" id="{C0D64398-9EB0-A0ED-5868-6E274CC94F9C}"/>
+                </a:ext>
+              </a:extLst>
+            </p:cNvPr>
+            <p:cNvPicPr>
+              <a:picLocks noChangeAspect="1"/>
+            </p:cNvPicPr>
+            <p:nvPr/>
+          </p:nvPicPr>
+          <p:blipFill>
+            <a:blip r:embed="rId23"/>
+            <a:stretch>
+              <a:fillRect/>
+            </a:stretch>
+          </p:blipFill>
+          <p:spPr>
+            <a:xfrm>
+              <a:off x="11070552" y="2207209"/>
+              <a:ext cx="3425415" cy="1172012"/>
+            </a:xfrm>
+            <a:prstGeom prst="rect">
+              <a:avLst/>
+            </a:prstGeom>
+          </p:spPr>
+        </p:pic>
+        <p:pic>
+          <p:nvPicPr>
+            <p:cNvPr id="33" name="Picture 32">
+              <a:extLst>
+                <a:ext uri="{FF2B5EF4-FFF2-40B4-BE49-F238E27FC236}">
+                  <a16:creationId xmlns:a16="http://schemas.microsoft.com/office/drawing/2014/main" id="{283CDC1A-BEF7-F185-D545-151BC828483B}"/>
+                </a:ext>
+              </a:extLst>
+            </p:cNvPr>
+            <p:cNvPicPr>
+              <a:picLocks noChangeAspect="1" noChangeArrowheads="1"/>
+            </p:cNvPicPr>
+            <p:nvPr/>
+          </p:nvPicPr>
+          <p:blipFill>
+            <a:blip r:embed="rId24">
+              <a:extLst>
+                <a:ext uri="{28A0092B-C50C-407E-A947-70E740481C1C}">
+                  <a14:useLocalDpi xmlns:a14="http://schemas.microsoft.com/office/drawing/2010/main" val="0"/>
+                </a:ext>
+              </a:extLst>
+            </a:blip>
+            <a:srcRect/>
+            <a:stretch>
+              <a:fillRect/>
+            </a:stretch>
+          </p:blipFill>
+          <p:spPr bwMode="auto">
+            <a:xfrm>
+              <a:off x="5985199" y="3585083"/>
+              <a:ext cx="3692352" cy="509221"/>
+            </a:xfrm>
+            <a:prstGeom prst="rect">
+              <a:avLst/>
+            </a:prstGeom>
+            <a:noFill/>
+            <a:extLst>
+              <a:ext uri="{909E8E84-426E-40DD-AFC4-6F175D3DCCD1}">
+                <a14:hiddenFill xmlns:a14="http://schemas.microsoft.com/office/drawing/2010/main">
+                  <a:solidFill>
+                    <a:srgbClr val="FFFFFF"/>
+                  </a:solidFill>
+                </a14:hiddenFill>
+              </a:ext>
+            </a:extLst>
+          </p:spPr>
+        </p:pic>
+        <p:pic>
+          <p:nvPicPr>
+            <p:cNvPr id="34" name="Picture 33" descr="InnoMatrix">
+              <a:extLst>
+                <a:ext uri="{FF2B5EF4-FFF2-40B4-BE49-F238E27FC236}">
+                  <a16:creationId xmlns:a16="http://schemas.microsoft.com/office/drawing/2014/main" id="{A501938E-D029-F6F0-E018-F5240D9F27B0}"/>
+                </a:ext>
+              </a:extLst>
+            </p:cNvPr>
+            <p:cNvPicPr>
+              <a:picLocks noChangeAspect="1" noChangeArrowheads="1"/>
+            </p:cNvPicPr>
+            <p:nvPr/>
+          </p:nvPicPr>
+          <p:blipFill>
+            <a:blip r:embed="rId25">
+              <a:extLst>
+                <a:ext uri="{28A0092B-C50C-407E-A947-70E740481C1C}">
+                  <a14:useLocalDpi xmlns:a14="http://schemas.microsoft.com/office/drawing/2010/main" val="0"/>
+                </a:ext>
+              </a:extLst>
+            </a:blip>
+            <a:srcRect/>
+            <a:stretch>
+              <a:fillRect/>
+            </a:stretch>
+          </p:blipFill>
+          <p:spPr bwMode="auto">
+            <a:xfrm>
+              <a:off x="9330872" y="4405176"/>
+              <a:ext cx="2702307" cy="900769"/>
+            </a:xfrm>
+            <a:prstGeom prst="rect">
+              <a:avLst/>
+            </a:prstGeom>
+            <a:noFill/>
+            <a:extLst>
+              <a:ext uri="{909E8E84-426E-40DD-AFC4-6F175D3DCCD1}">
+                <a14:hiddenFill xmlns:a14="http://schemas.microsoft.com/office/drawing/2010/main">
+                  <a:solidFill>
+                    <a:srgbClr val="FFFFFF"/>
+                  </a:solidFill>
+                </a14:hiddenFill>
+              </a:ext>
+            </a:extLst>
+          </p:spPr>
+        </p:pic>
+        <p:sp>
+          <p:nvSpPr>
+            <p:cNvPr id="35" name="AutoShape 8">
+              <a:extLst>
+                <a:ext uri="{FF2B5EF4-FFF2-40B4-BE49-F238E27FC236}">
+                  <a16:creationId xmlns:a16="http://schemas.microsoft.com/office/drawing/2014/main" id="{EB5D9F6D-6093-98B3-E2CB-B44755568324}"/>
+                </a:ext>
+              </a:extLst>
+            </p:cNvPr>
+            <p:cNvSpPr>
+              <a:spLocks noChangeAspect="1" noChangeArrowheads="1"/>
+            </p:cNvSpPr>
+            <p:nvPr/>
+          </p:nvSpPr>
+          <p:spPr bwMode="auto">
+            <a:xfrm>
+              <a:off x="7277100" y="3962400"/>
+              <a:ext cx="304800" cy="304800"/>
+            </a:xfrm>
+            <a:prstGeom prst="rect">
+              <a:avLst/>
+            </a:prstGeom>
+            <a:noFill/>
+            <a:extLst>
+              <a:ext uri="{909E8E84-426E-40DD-AFC4-6F175D3DCCD1}">
+                <a14:hiddenFill xmlns:a14="http://schemas.microsoft.com/office/drawing/2010/main">
+                  <a:solidFill>
+                    <a:srgbClr val="FFFFFF"/>
+                  </a:solidFill>
+                </a14:hiddenFill>
+              </a:ext>
+            </a:extLst>
+          </p:spPr>
+          <p:txBody>
+            <a:bodyPr vert="horz" wrap="square" lIns="91440" tIns="45720" rIns="91440" bIns="45720" numCol="1" anchor="t" anchorCtr="0" compatLnSpc="1">
+              <a:prstTxWarp prst="textNoShape">
+                <a:avLst/>
+              </a:prstTxWarp>
+            </a:bodyPr>
+            <a:lstStyle>
+              <a:defPPr>
+                <a:defRPr lang="en-US"/>
+              </a:defPPr>
+              <a:lvl1pPr marL="0" algn="l" defTabSz="914400" rtl="0" eaLnBrk="1" latinLnBrk="0" hangingPunct="1">
+                <a:defRPr sz="1800" kern="1200">
+                  <a:solidFill>
+                    <a:schemeClr val="tx1"/>
+                  </a:solidFill>
+                  <a:latin typeface="+mn-lt"/>
+                  <a:ea typeface="+mn-ea"/>
+                  <a:cs typeface="+mn-cs"/>
+                </a:defRPr>
+              </a:lvl1pPr>
+              <a:lvl2pPr marL="457200" algn="l" defTabSz="914400" rtl="0" eaLnBrk="1" latinLnBrk="0" hangingPunct="1">
+                <a:defRPr sz="1800" kern="1200">
+                  <a:solidFill>
+                    <a:schemeClr val="tx1"/>
+                  </a:solidFill>
+                  <a:latin typeface="+mn-lt"/>
+                  <a:ea typeface="+mn-ea"/>
+                  <a:cs typeface="+mn-cs"/>
+                </a:defRPr>
+              </a:lvl2pPr>
+              <a:lvl3pPr marL="914400" algn="l" defTabSz="914400" rtl="0" eaLnBrk="1" latinLnBrk="0" hangingPunct="1">
+                <a:defRPr sz="1800" kern="1200">
+                  <a:solidFill>
+                    <a:schemeClr val="tx1"/>
+                  </a:solidFill>
+                  <a:latin typeface="+mn-lt"/>
+                  <a:ea typeface="+mn-ea"/>
+                  <a:cs typeface="+mn-cs"/>
+                </a:defRPr>
+              </a:lvl3pPr>
+              <a:lvl4pPr marL="1371600" algn="l" defTabSz="914400" rtl="0" eaLnBrk="1" latinLnBrk="0" hangingPunct="1">
+                <a:defRPr sz="1800" kern="1200">
+                  <a:solidFill>
+                    <a:schemeClr val="tx1"/>
+                  </a:solidFill>
+                  <a:latin typeface="+mn-lt"/>
+                  <a:ea typeface="+mn-ea"/>
+                  <a:cs typeface="+mn-cs"/>
+                </a:defRPr>
+              </a:lvl4pPr>
+              <a:lvl5pPr marL="1828800" algn="l" defTabSz="914400" rtl="0" eaLnBrk="1" latinLnBrk="0" hangingPunct="1">
+                <a:defRPr sz="1800" kern="1200">
+                  <a:solidFill>
+                    <a:schemeClr val="tx1"/>
+                  </a:solidFill>
+                  <a:latin typeface="+mn-lt"/>
+                  <a:ea typeface="+mn-ea"/>
+                  <a:cs typeface="+mn-cs"/>
+                </a:defRPr>
+              </a:lvl5pPr>
+              <a:lvl6pPr marL="2286000" algn="l" defTabSz="914400" rtl="0" eaLnBrk="1" latinLnBrk="0" hangingPunct="1">
+                <a:defRPr sz="1800" kern="1200">
+                  <a:solidFill>
+                    <a:schemeClr val="tx1"/>
+                  </a:solidFill>
+                  <a:latin typeface="+mn-lt"/>
+                  <a:ea typeface="+mn-ea"/>
+                  <a:cs typeface="+mn-cs"/>
+                </a:defRPr>
+              </a:lvl6pPr>
+              <a:lvl7pPr marL="2743200" algn="l" defTabSz="914400" rtl="0" eaLnBrk="1" latinLnBrk="0" hangingPunct="1">
+                <a:defRPr sz="1800" kern="1200">
+                  <a:solidFill>
+                    <a:schemeClr val="tx1"/>
+                  </a:solidFill>
+                  <a:latin typeface="+mn-lt"/>
+                  <a:ea typeface="+mn-ea"/>
+                  <a:cs typeface="+mn-cs"/>
+                </a:defRPr>
+              </a:lvl7pPr>
+              <a:lvl8pPr marL="3200400" algn="l" defTabSz="914400" rtl="0" eaLnBrk="1" latinLnBrk="0" hangingPunct="1">
+                <a:defRPr sz="1800" kern="1200">
+                  <a:solidFill>
+                    <a:schemeClr val="tx1"/>
+                  </a:solidFill>
+                  <a:latin typeface="+mn-lt"/>
+                  <a:ea typeface="+mn-ea"/>
+                  <a:cs typeface="+mn-cs"/>
+                </a:defRPr>
+              </a:lvl8pPr>
+              <a:lvl9pPr marL="3657600" algn="l" defTabSz="914400" rtl="0" eaLnBrk="1" latinLnBrk="0" hangingPunct="1">
+                <a:defRPr sz="1800" kern="1200">
+                  <a:solidFill>
+                    <a:schemeClr val="tx1"/>
+                  </a:solidFill>
+                  <a:latin typeface="+mn-lt"/>
+                  <a:ea typeface="+mn-ea"/>
+                  <a:cs typeface="+mn-cs"/>
+                </a:defRPr>
+              </a:lvl9pPr>
+            </a:lstStyle>
+            <a:p>
+              <a:endParaRPr lang="en-US"/>
+            </a:p>
+          </p:txBody>
+        </p:sp>
+        <p:pic>
+          <p:nvPicPr>
+            <p:cNvPr id="36" name="Picture 35" descr="A black background with a black square&#10;&#10;AI-generated content may be incorrect.">
+              <a:extLst>
+                <a:ext uri="{FF2B5EF4-FFF2-40B4-BE49-F238E27FC236}">
+                  <a16:creationId xmlns:a16="http://schemas.microsoft.com/office/drawing/2014/main" id="{D88D2D79-F047-EEB3-63FC-57881C057B64}"/>
+                </a:ext>
+              </a:extLst>
+            </p:cNvPr>
+            <p:cNvPicPr>
+              <a:picLocks noChangeAspect="1"/>
+            </p:cNvPicPr>
+            <p:nvPr/>
+          </p:nvPicPr>
+          <p:blipFill>
+            <a:blip r:embed="rId26"/>
+            <a:stretch>
+              <a:fillRect/>
+            </a:stretch>
+          </p:blipFill>
+          <p:spPr>
+            <a:xfrm>
+              <a:off x="10666825" y="6633638"/>
+              <a:ext cx="3464465" cy="514327"/>
+            </a:xfrm>
+            <a:prstGeom prst="rect">
+              <a:avLst/>
+            </a:prstGeom>
+          </p:spPr>
+        </p:pic>
+        <p:pic>
+          <p:nvPicPr>
+            <p:cNvPr id="37" name="Graphic 23">
+              <a:extLst>
+                <a:ext uri="{FF2B5EF4-FFF2-40B4-BE49-F238E27FC236}">
+                  <a16:creationId xmlns:a16="http://schemas.microsoft.com/office/drawing/2014/main" id="{26157DDC-BB01-528E-3282-AC0BBAF258F2}"/>
+                </a:ext>
+              </a:extLst>
+            </p:cNvPr>
+            <p:cNvPicPr>
+              <a:picLocks noChangeAspect="1"/>
+            </p:cNvPicPr>
+            <p:nvPr/>
+          </p:nvPicPr>
+          <p:blipFill>
+            <a:blip r:embed="rId27">
+              <a:extLst>
+                <a:ext uri="{96DAC541-7B7A-43D3-8B79-37D633B846F1}">
+                  <asvg:svgBlip xmlns:asvg="http://schemas.microsoft.com/office/drawing/2016/SVG/main" r:embed="rId28"/>
+                </a:ext>
+              </a:extLst>
+            </a:blip>
+            <a:stretch>
+              <a:fillRect/>
+            </a:stretch>
+          </p:blipFill>
+          <p:spPr>
+            <a:xfrm>
+              <a:off x="426057" y="6681251"/>
+              <a:ext cx="2819400" cy="342900"/>
+            </a:xfrm>
+            <a:prstGeom prst="rect">
+              <a:avLst/>
+            </a:prstGeom>
+          </p:spPr>
+        </p:pic>
+        <p:pic>
+          <p:nvPicPr>
+            <p:cNvPr id="38" name="Picture 37" descr="Spark (讯飞星火) Logo">
+              <a:extLst>
+                <a:ext uri="{FF2B5EF4-FFF2-40B4-BE49-F238E27FC236}">
+                  <a16:creationId xmlns:a16="http://schemas.microsoft.com/office/drawing/2014/main" id="{C6447368-13DC-AE54-FB08-4A884CBB44F6}"/>
+                </a:ext>
+              </a:extLst>
+            </p:cNvPr>
+            <p:cNvPicPr>
+              <a:picLocks noChangeAspect="1" noChangeArrowheads="1"/>
+            </p:cNvPicPr>
+            <p:nvPr/>
+          </p:nvPicPr>
+          <p:blipFill>
+            <a:blip r:embed="rId29">
+              <a:extLst>
+                <a:ext uri="{28A0092B-C50C-407E-A947-70E740481C1C}">
+                  <a14:useLocalDpi xmlns:a14="http://schemas.microsoft.com/office/drawing/2010/main" val="0"/>
+                </a:ext>
+              </a:extLst>
+            </a:blip>
+            <a:srcRect/>
+            <a:stretch>
+              <a:fillRect/>
+            </a:stretch>
+          </p:blipFill>
+          <p:spPr bwMode="auto">
+            <a:xfrm>
+              <a:off x="8119310" y="6556565"/>
+              <a:ext cx="617673" cy="617673"/>
+            </a:xfrm>
+            <a:prstGeom prst="rect">
+              <a:avLst/>
+            </a:prstGeom>
+            <a:noFill/>
+            <a:extLst>
+              <a:ext uri="{909E8E84-426E-40DD-AFC4-6F175D3DCCD1}">
+                <a14:hiddenFill xmlns:a14="http://schemas.microsoft.com/office/drawing/2010/main">
+                  <a:solidFill>
+                    <a:srgbClr val="FFFFFF"/>
+                  </a:solidFill>
+                </a14:hiddenFill>
+              </a:ext>
+            </a:extLst>
+          </p:spPr>
+        </p:pic>
+        <p:pic>
+          <p:nvPicPr>
+            <p:cNvPr id="39" name="Picture 38">
+              <a:extLst>
+                <a:ext uri="{FF2B5EF4-FFF2-40B4-BE49-F238E27FC236}">
+                  <a16:creationId xmlns:a16="http://schemas.microsoft.com/office/drawing/2014/main" id="{CD8FAFC1-C1EF-AB30-A772-9EBAEBC85317}"/>
+                </a:ext>
+              </a:extLst>
+            </p:cNvPr>
+            <p:cNvPicPr>
+              <a:picLocks noChangeAspect="1" noChangeArrowheads="1"/>
+            </p:cNvPicPr>
+            <p:nvPr/>
+          </p:nvPicPr>
+          <p:blipFill>
+            <a:blip r:embed="rId30">
+              <a:extLst>
+                <a:ext uri="{28A0092B-C50C-407E-A947-70E740481C1C}">
+                  <a14:useLocalDpi xmlns:a14="http://schemas.microsoft.com/office/drawing/2010/main" val="0"/>
+                </a:ext>
+              </a:extLst>
+            </a:blip>
+            <a:srcRect/>
+            <a:stretch>
+              <a:fillRect/>
+            </a:stretch>
+          </p:blipFill>
+          <p:spPr bwMode="auto">
+            <a:xfrm>
+              <a:off x="6141695" y="6491545"/>
+              <a:ext cx="2148842" cy="671513"/>
+            </a:xfrm>
+            <a:prstGeom prst="rect">
+              <a:avLst/>
+            </a:prstGeom>
+            <a:noFill/>
+            <a:extLst>
+              <a:ext uri="{909E8E84-426E-40DD-AFC4-6F175D3DCCD1}">
+                <a14:hiddenFill xmlns:a14="http://schemas.microsoft.com/office/drawing/2010/main">
+                  <a:solidFill>
+                    <a:srgbClr val="FFFFFF"/>
+                  </a:solidFill>
+                </a14:hiddenFill>
+              </a:ext>
+            </a:extLst>
+          </p:spPr>
+        </p:pic>
+      </p:grpSp>
+    </p:spTree>
+    <p:extLst>
+      <p:ext uri="{BB962C8B-B14F-4D97-AF65-F5344CB8AC3E}">
+        <p14:creationId xmlns:p14="http://schemas.microsoft.com/office/powerpoint/2010/main" val="1133773552"/>
+      </p:ext>
+    </p:extLst>
+  </p:cSld>
+  <p:clrMapOvr>
+    <a:masterClrMapping/>
+  </p:clrMapOvr>
+</p:sld>
+</file>
+
 <file path=ppt/theme/theme1.xml><?xml version="1.0" encoding="utf-8"?>
 <a:theme xmlns:a="http://schemas.openxmlformats.org/drawingml/2006/main" name="Office Theme">
   <a:themeElements>

--- a/slides/sglang_adoption_logo.pptx
+++ b/slides/sglang_adoption_logo.pptx
@@ -1197,7 +1197,7 @@
         </p:blipFill>
         <p:spPr>
           <a:xfrm>
-            <a:off x="1815801" y="1198814"/>
+            <a:off x="4616787" y="1214312"/>
             <a:ext cx="2116378" cy="915561"/>
           </a:xfrm>
           <a:prstGeom prst="rect">
@@ -1227,7 +1227,7 @@
         </p:blipFill>
         <p:spPr>
           <a:xfrm>
-            <a:off x="352662" y="1165485"/>
+            <a:off x="352662" y="1211979"/>
             <a:ext cx="1150181" cy="920226"/>
           </a:xfrm>
           <a:prstGeom prst="rect">
@@ -1257,7 +1257,7 @@
         </p:blipFill>
         <p:spPr>
           <a:xfrm>
-            <a:off x="4152156" y="1245491"/>
+            <a:off x="1699668" y="1291985"/>
             <a:ext cx="2660916" cy="760215"/>
           </a:xfrm>
           <a:prstGeom prst="rect">
@@ -1322,7 +1322,7 @@
         </p:blipFill>
         <p:spPr bwMode="auto">
           <a:xfrm>
-            <a:off x="11746147" y="1360300"/>
+            <a:off x="11746147" y="1406794"/>
             <a:ext cx="2615850" cy="530597"/>
           </a:xfrm>
           <a:prstGeom prst="rect">
@@ -1362,7 +1362,7 @@
         </p:blipFill>
         <p:spPr>
           <a:xfrm>
-            <a:off x="7602327" y="3437811"/>
+            <a:off x="9178442" y="3421579"/>
             <a:ext cx="804194" cy="804194"/>
           </a:xfrm>
           <a:prstGeom prst="rect">
@@ -1372,10 +1372,10 @@
       </p:pic>
       <p:pic>
         <p:nvPicPr>
-          <p:cNvPr id="1054" name="Picture 30" descr="J&amp;T Studios: Latest News — Jam &amp; Tea Studios">
-            <a:extLst>
-              <a:ext uri="{FF2B5EF4-FFF2-40B4-BE49-F238E27FC236}">
-                <a16:creationId xmlns:a16="http://schemas.microsoft.com/office/drawing/2014/main" id="{907B39C7-6E7A-1BFA-0DC7-8ADFA0A516FB}"/>
+          <p:cNvPr id="1036" name="Picture 12">
+            <a:extLst>
+              <a:ext uri="{FF2B5EF4-FFF2-40B4-BE49-F238E27FC236}">
+                <a16:creationId xmlns:a16="http://schemas.microsoft.com/office/drawing/2014/main" id="{6E7AA7A0-D21C-C6C5-F647-903F96775D20}"/>
               </a:ext>
             </a:extLst>
           </p:cNvPr>
@@ -1399,8 +1399,8 @@
         </p:blipFill>
         <p:spPr bwMode="auto">
           <a:xfrm>
-            <a:off x="10904515" y="4685491"/>
-            <a:ext cx="577390" cy="628162"/>
+            <a:off x="1729956" y="5848611"/>
+            <a:ext cx="1940747" cy="491926"/>
           </a:xfrm>
           <a:prstGeom prst="rect">
             <a:avLst/>
@@ -1419,10 +1419,10 @@
       </p:pic>
       <p:pic>
         <p:nvPicPr>
-          <p:cNvPr id="1036" name="Picture 12">
-            <a:extLst>
-              <a:ext uri="{FF2B5EF4-FFF2-40B4-BE49-F238E27FC236}">
-                <a16:creationId xmlns:a16="http://schemas.microsoft.com/office/drawing/2014/main" id="{6E7AA7A0-D21C-C6C5-F647-903F96775D20}"/>
+          <p:cNvPr id="1038" name="Picture 14" descr="Nebius Secures $700M to Accelerate AI Infrastructure Expansion - Great  Entrepreneurs">
+            <a:extLst>
+              <a:ext uri="{FF2B5EF4-FFF2-40B4-BE49-F238E27FC236}">
+                <a16:creationId xmlns:a16="http://schemas.microsoft.com/office/drawing/2014/main" id="{606D7C1D-10CA-4FFE-2A14-503BD3C93640}"/>
               </a:ext>
             </a:extLst>
           </p:cNvPr>
@@ -1431,7 +1431,7 @@
           </p:cNvPicPr>
           <p:nvPr/>
         </p:nvPicPr>
-        <p:blipFill>
+        <p:blipFill rotWithShape="1">
           <a:blip r:embed="rId9">
             <a:extLst>
               <a:ext uri="{28A0092B-C50C-407E-A947-70E740481C1C}">
@@ -1439,15 +1439,13 @@
               </a:ext>
             </a:extLst>
           </a:blip>
-          <a:srcRect/>
-          <a:stretch>
-            <a:fillRect/>
-          </a:stretch>
+          <a:srcRect l="-1" t="30147" r="556" b="28730"/>
+          <a:stretch/>
         </p:blipFill>
         <p:spPr bwMode="auto">
           <a:xfrm>
-            <a:off x="1910808" y="5889765"/>
-            <a:ext cx="1940747" cy="491926"/>
+            <a:off x="4504604" y="3546256"/>
+            <a:ext cx="1788939" cy="554840"/>
           </a:xfrm>
           <a:prstGeom prst="rect">
             <a:avLst/>
@@ -1466,10 +1464,10 @@
       </p:pic>
       <p:pic>
         <p:nvPicPr>
-          <p:cNvPr id="1038" name="Picture 14" descr="Nebius Secures $700M to Accelerate AI Infrastructure Expansion - Great  Entrepreneurs">
-            <a:extLst>
-              <a:ext uri="{FF2B5EF4-FFF2-40B4-BE49-F238E27FC236}">
-                <a16:creationId xmlns:a16="http://schemas.microsoft.com/office/drawing/2014/main" id="{606D7C1D-10CA-4FFE-2A14-503BD3C93640}"/>
+          <p:cNvPr id="1058" name="Picture 34" descr="Novita AI Logo PNG Vector (SVG) Free Download">
+            <a:extLst>
+              <a:ext uri="{FF2B5EF4-FFF2-40B4-BE49-F238E27FC236}">
+                <a16:creationId xmlns:a16="http://schemas.microsoft.com/office/drawing/2014/main" id="{629B1EAE-B575-2CFF-8FE1-7FF8070AED87}"/>
               </a:ext>
             </a:extLst>
           </p:cNvPr>
@@ -1486,13 +1484,13 @@
               </a:ext>
             </a:extLst>
           </a:blip>
-          <a:srcRect l="-1" t="30147" r="556" b="28730"/>
+          <a:srcRect l="1488" t="39581" b="39566"/>
           <a:stretch/>
         </p:blipFill>
         <p:spPr bwMode="auto">
           <a:xfrm>
-            <a:off x="4856694" y="3551563"/>
-            <a:ext cx="1959329" cy="607686"/>
+            <a:off x="6647727" y="3593282"/>
+            <a:ext cx="2176834" cy="460788"/>
           </a:xfrm>
           <a:prstGeom prst="rect">
             <a:avLst/>
@@ -1511,10 +1509,10 @@
       </p:pic>
       <p:pic>
         <p:nvPicPr>
-          <p:cNvPr id="1058" name="Picture 34" descr="Novita AI Logo PNG Vector (SVG) Free Download">
-            <a:extLst>
-              <a:ext uri="{FF2B5EF4-FFF2-40B4-BE49-F238E27FC236}">
-                <a16:creationId xmlns:a16="http://schemas.microsoft.com/office/drawing/2014/main" id="{629B1EAE-B575-2CFF-8FE1-7FF8070AED87}"/>
+          <p:cNvPr id="1044" name="Picture 20" descr="UC Berkeley seal &amp; logo (revised)">
+            <a:extLst>
+              <a:ext uri="{FF2B5EF4-FFF2-40B4-BE49-F238E27FC236}">
+                <a16:creationId xmlns:a16="http://schemas.microsoft.com/office/drawing/2014/main" id="{04A547E5-6103-AC9A-3C92-74E4BD955E02}"/>
               </a:ext>
             </a:extLst>
           </p:cNvPr>
@@ -1523,7 +1521,7 @@
           </p:cNvPicPr>
           <p:nvPr/>
         </p:nvPicPr>
-        <p:blipFill rotWithShape="1">
+        <p:blipFill>
           <a:blip r:embed="rId11">
             <a:extLst>
               <a:ext uri="{28A0092B-C50C-407E-A947-70E740481C1C}">
@@ -1531,13 +1529,15 @@
               </a:ext>
             </a:extLst>
           </a:blip>
-          <a:srcRect l="1488" t="39581" b="39566"/>
-          <a:stretch/>
+          <a:srcRect/>
+          <a:stretch>
+            <a:fillRect/>
+          </a:stretch>
         </p:blipFill>
         <p:spPr bwMode="auto">
           <a:xfrm>
-            <a:off x="9053344" y="3609514"/>
-            <a:ext cx="2176834" cy="460788"/>
+            <a:off x="6584892" y="4748687"/>
+            <a:ext cx="1788938" cy="465093"/>
           </a:xfrm>
           <a:prstGeom prst="rect">
             <a:avLst/>
@@ -1556,10 +1556,10 @@
       </p:pic>
       <p:pic>
         <p:nvPicPr>
-          <p:cNvPr id="1044" name="Picture 20" descr="UC Berkeley seal &amp; logo (revised)">
-            <a:extLst>
-              <a:ext uri="{FF2B5EF4-FFF2-40B4-BE49-F238E27FC236}">
-                <a16:creationId xmlns:a16="http://schemas.microsoft.com/office/drawing/2014/main" id="{04A547E5-6103-AC9A-3C92-74E4BD955E02}"/>
+          <p:cNvPr id="1052" name="Picture 28" descr="UCLA Bruins - Wikipedia">
+            <a:extLst>
+              <a:ext uri="{FF2B5EF4-FFF2-40B4-BE49-F238E27FC236}">
+                <a16:creationId xmlns:a16="http://schemas.microsoft.com/office/drawing/2014/main" id="{4C933A80-818D-4E43-D94A-237FEABF9B98}"/>
               </a:ext>
             </a:extLst>
           </p:cNvPr>
@@ -1583,8 +1583,8 @@
         </p:blipFill>
         <p:spPr bwMode="auto">
           <a:xfrm>
-            <a:off x="7239894" y="4767026"/>
-            <a:ext cx="1788938" cy="465093"/>
+            <a:off x="2063512" y="4757058"/>
+            <a:ext cx="932518" cy="448350"/>
           </a:xfrm>
           <a:prstGeom prst="rect">
             <a:avLst/>
@@ -1603,10 +1603,10 @@
       </p:pic>
       <p:pic>
         <p:nvPicPr>
-          <p:cNvPr id="1052" name="Picture 28" descr="UCLA Bruins - Wikipedia">
-            <a:extLst>
-              <a:ext uri="{FF2B5EF4-FFF2-40B4-BE49-F238E27FC236}">
-                <a16:creationId xmlns:a16="http://schemas.microsoft.com/office/drawing/2014/main" id="{4C933A80-818D-4E43-D94A-237FEABF9B98}"/>
+          <p:cNvPr id="1060" name="Picture 36" descr="Combinations - Identity Guide">
+            <a:extLst>
+              <a:ext uri="{FF2B5EF4-FFF2-40B4-BE49-F238E27FC236}">
+                <a16:creationId xmlns:a16="http://schemas.microsoft.com/office/drawing/2014/main" id="{C8A4B143-F789-137B-1B8A-42DF1C653366}"/>
               </a:ext>
             </a:extLst>
           </p:cNvPr>
@@ -1630,8 +1630,8 @@
         </p:blipFill>
         <p:spPr bwMode="auto">
           <a:xfrm>
-            <a:off x="2280811" y="4790895"/>
-            <a:ext cx="932518" cy="448350"/>
+            <a:off x="4466812" y="4667467"/>
+            <a:ext cx="1788938" cy="627533"/>
           </a:xfrm>
           <a:prstGeom prst="rect">
             <a:avLst/>
@@ -1650,10 +1650,106 @@
       </p:pic>
       <p:pic>
         <p:nvPicPr>
-          <p:cNvPr id="1060" name="Picture 36" descr="Combinations - Identity Guide">
-            <a:extLst>
-              <a:ext uri="{FF2B5EF4-FFF2-40B4-BE49-F238E27FC236}">
-                <a16:creationId xmlns:a16="http://schemas.microsoft.com/office/drawing/2014/main" id="{C8A4B143-F789-137B-1B8A-42DF1C653366}"/>
+          <p:cNvPr id="12" name="Picture 11">
+            <a:extLst>
+              <a:ext uri="{FF2B5EF4-FFF2-40B4-BE49-F238E27FC236}">
+                <a16:creationId xmlns:a16="http://schemas.microsoft.com/office/drawing/2014/main" id="{0B787B22-F549-C2A4-52C2-E469C1011EA9}"/>
+              </a:ext>
+            </a:extLst>
+          </p:cNvPr>
+          <p:cNvPicPr>
+            <a:picLocks noChangeAspect="1"/>
+          </p:cNvPicPr>
+          <p:nvPr/>
+        </p:nvPicPr>
+        <p:blipFill>
+          <a:blip r:embed="rId14"/>
+          <a:stretch>
+            <a:fillRect/>
+          </a:stretch>
+        </p:blipFill>
+        <p:spPr>
+          <a:xfrm>
+            <a:off x="9218369" y="1426411"/>
+            <a:ext cx="1891562" cy="491363"/>
+          </a:xfrm>
+          <a:prstGeom prst="rect">
+            <a:avLst/>
+          </a:prstGeom>
+        </p:spPr>
+      </p:pic>
+      <p:pic>
+        <p:nvPicPr>
+          <p:cNvPr id="8" name="Graphic 7">
+            <a:extLst>
+              <a:ext uri="{FF2B5EF4-FFF2-40B4-BE49-F238E27FC236}">
+                <a16:creationId xmlns:a16="http://schemas.microsoft.com/office/drawing/2014/main" id="{5DC7474D-0877-2283-D1CB-C1A78B2FDD58}"/>
+              </a:ext>
+            </a:extLst>
+          </p:cNvPr>
+          <p:cNvPicPr>
+            <a:picLocks noChangeAspect="1"/>
+          </p:cNvPicPr>
+          <p:nvPr/>
+        </p:nvPicPr>
+        <p:blipFill>
+          <a:blip r:embed="rId15">
+            <a:extLst>
+              <a:ext uri="{96DAC541-7B7A-43D3-8B79-37D633B846F1}">
+                <asvg:svgBlip xmlns:asvg="http://schemas.microsoft.com/office/drawing/2016/SVG/main" r:embed="rId16"/>
+              </a:ext>
+            </a:extLst>
+          </a:blip>
+          <a:stretch>
+            <a:fillRect/>
+          </a:stretch>
+        </p:blipFill>
+        <p:spPr>
+          <a:xfrm>
+            <a:off x="4005584" y="2538608"/>
+            <a:ext cx="2745066" cy="479720"/>
+          </a:xfrm>
+          <a:prstGeom prst="rect">
+            <a:avLst/>
+          </a:prstGeom>
+        </p:spPr>
+      </p:pic>
+      <p:pic>
+        <p:nvPicPr>
+          <p:cNvPr id="11" name="Picture 10" descr="A red and white logo&#10;&#10;AI-generated content may be incorrect.">
+            <a:extLst>
+              <a:ext uri="{FF2B5EF4-FFF2-40B4-BE49-F238E27FC236}">
+                <a16:creationId xmlns:a16="http://schemas.microsoft.com/office/drawing/2014/main" id="{C0D64398-9EB0-A0ED-5868-6E274CC94F9C}"/>
+              </a:ext>
+            </a:extLst>
+          </p:cNvPr>
+          <p:cNvPicPr>
+            <a:picLocks noChangeAspect="1"/>
+          </p:cNvPicPr>
+          <p:nvPr/>
+        </p:nvPicPr>
+        <p:blipFill>
+          <a:blip r:embed="rId17"/>
+          <a:stretch>
+            <a:fillRect/>
+          </a:stretch>
+        </p:blipFill>
+        <p:spPr>
+          <a:xfrm>
+            <a:off x="383658" y="2234228"/>
+            <a:ext cx="3181277" cy="1088480"/>
+          </a:xfrm>
+          <a:prstGeom prst="rect">
+            <a:avLst/>
+          </a:prstGeom>
+        </p:spPr>
+      </p:pic>
+      <p:pic>
+        <p:nvPicPr>
+          <p:cNvPr id="14" name="Picture 2">
+            <a:extLst>
+              <a:ext uri="{FF2B5EF4-FFF2-40B4-BE49-F238E27FC236}">
+                <a16:creationId xmlns:a16="http://schemas.microsoft.com/office/drawing/2014/main" id="{283CDC1A-BEF7-F185-D545-151BC828483B}"/>
               </a:ext>
             </a:extLst>
           </p:cNvPr>
@@ -1663,7 +1759,7 @@
           <p:nvPr/>
         </p:nvPicPr>
         <p:blipFill>
-          <a:blip r:embed="rId14">
+          <a:blip r:embed="rId18">
             <a:extLst>
               <a:ext uri="{28A0092B-C50C-407E-A947-70E740481C1C}">
                 <a14:useLocalDpi xmlns:a14="http://schemas.microsoft.com/office/drawing/2010/main" val="0"/>
@@ -1677,8 +1773,8 @@
         </p:blipFill>
         <p:spPr bwMode="auto">
           <a:xfrm>
-            <a:off x="4989156" y="4685806"/>
-            <a:ext cx="1788938" cy="627533"/>
+            <a:off x="662628" y="3587212"/>
+            <a:ext cx="3429189" cy="472928"/>
           </a:xfrm>
           <a:prstGeom prst="rect">
             <a:avLst/>
@@ -1697,106 +1793,10 @@
       </p:pic>
       <p:pic>
         <p:nvPicPr>
-          <p:cNvPr id="12" name="Picture 11">
-            <a:extLst>
-              <a:ext uri="{FF2B5EF4-FFF2-40B4-BE49-F238E27FC236}">
-                <a16:creationId xmlns:a16="http://schemas.microsoft.com/office/drawing/2014/main" id="{0B787B22-F549-C2A4-52C2-E469C1011EA9}"/>
-              </a:ext>
-            </a:extLst>
-          </p:cNvPr>
-          <p:cNvPicPr>
-            <a:picLocks noChangeAspect="1"/>
-          </p:cNvPicPr>
-          <p:nvPr/>
-        </p:nvPicPr>
-        <p:blipFill>
-          <a:blip r:embed="rId15"/>
-          <a:stretch>
-            <a:fillRect/>
-          </a:stretch>
-        </p:blipFill>
-        <p:spPr>
-          <a:xfrm>
-            <a:off x="9282129" y="1395415"/>
-            <a:ext cx="1891562" cy="491363"/>
-          </a:xfrm>
-          <a:prstGeom prst="rect">
-            <a:avLst/>
-          </a:prstGeom>
-        </p:spPr>
-      </p:pic>
-      <p:pic>
-        <p:nvPicPr>
-          <p:cNvPr id="8" name="Graphic 7">
-            <a:extLst>
-              <a:ext uri="{FF2B5EF4-FFF2-40B4-BE49-F238E27FC236}">
-                <a16:creationId xmlns:a16="http://schemas.microsoft.com/office/drawing/2014/main" id="{5DC7474D-0877-2283-D1CB-C1A78B2FDD58}"/>
-              </a:ext>
-            </a:extLst>
-          </p:cNvPr>
-          <p:cNvPicPr>
-            <a:picLocks noChangeAspect="1"/>
-          </p:cNvPicPr>
-          <p:nvPr/>
-        </p:nvPicPr>
-        <p:blipFill>
-          <a:blip r:embed="rId16">
-            <a:extLst>
-              <a:ext uri="{96DAC541-7B7A-43D3-8B79-37D633B846F1}">
-                <asvg:svgBlip xmlns:asvg="http://schemas.microsoft.com/office/drawing/2016/SVG/main" r:embed="rId17"/>
-              </a:ext>
-            </a:extLst>
-          </a:blip>
-          <a:stretch>
-            <a:fillRect/>
-          </a:stretch>
-        </p:blipFill>
-        <p:spPr>
-          <a:xfrm>
-            <a:off x="4055459" y="2555116"/>
-            <a:ext cx="2745066" cy="479720"/>
-          </a:xfrm>
-          <a:prstGeom prst="rect">
-            <a:avLst/>
-          </a:prstGeom>
-        </p:spPr>
-      </p:pic>
-      <p:pic>
-        <p:nvPicPr>
-          <p:cNvPr id="11" name="Picture 10" descr="A red and white logo&#10;&#10;AI-generated content may be incorrect.">
-            <a:extLst>
-              <a:ext uri="{FF2B5EF4-FFF2-40B4-BE49-F238E27FC236}">
-                <a16:creationId xmlns:a16="http://schemas.microsoft.com/office/drawing/2014/main" id="{C0D64398-9EB0-A0ED-5868-6E274CC94F9C}"/>
-              </a:ext>
-            </a:extLst>
-          </p:cNvPr>
-          <p:cNvPicPr>
-            <a:picLocks noChangeAspect="1"/>
-          </p:cNvPicPr>
-          <p:nvPr/>
-        </p:nvPicPr>
-        <p:blipFill>
-          <a:blip r:embed="rId18"/>
-          <a:stretch>
-            <a:fillRect/>
-          </a:stretch>
-        </p:blipFill>
-        <p:spPr>
-          <a:xfrm>
-            <a:off x="383658" y="2234228"/>
-            <a:ext cx="3181277" cy="1088480"/>
-          </a:xfrm>
-          <a:prstGeom prst="rect">
-            <a:avLst/>
-          </a:prstGeom>
-        </p:spPr>
-      </p:pic>
-      <p:pic>
-        <p:nvPicPr>
-          <p:cNvPr id="14" name="Picture 2">
-            <a:extLst>
-              <a:ext uri="{FF2B5EF4-FFF2-40B4-BE49-F238E27FC236}">
-                <a16:creationId xmlns:a16="http://schemas.microsoft.com/office/drawing/2014/main" id="{283CDC1A-BEF7-F185-D545-151BC828483B}"/>
+          <p:cNvPr id="16" name="Picture 4" descr="InnoMatrix">
+            <a:extLst>
+              <a:ext uri="{FF2B5EF4-FFF2-40B4-BE49-F238E27FC236}">
+                <a16:creationId xmlns:a16="http://schemas.microsoft.com/office/drawing/2014/main" id="{A501938E-D029-F6F0-E018-F5240D9F27B0}"/>
               </a:ext>
             </a:extLst>
           </p:cNvPr>
@@ -1820,8 +1820,8 @@
         </p:blipFill>
         <p:spPr bwMode="auto">
           <a:xfrm>
-            <a:off x="662628" y="3603444"/>
-            <a:ext cx="3429189" cy="472928"/>
+            <a:off x="12247916" y="3478845"/>
+            <a:ext cx="2068988" cy="689663"/>
           </a:xfrm>
           <a:prstGeom prst="rect">
             <a:avLst/>
@@ -1838,53 +1838,6 @@
           </a:extLst>
         </p:spPr>
       </p:pic>
-      <p:pic>
-        <p:nvPicPr>
-          <p:cNvPr id="16" name="Picture 4" descr="InnoMatrix">
-            <a:extLst>
-              <a:ext uri="{FF2B5EF4-FFF2-40B4-BE49-F238E27FC236}">
-                <a16:creationId xmlns:a16="http://schemas.microsoft.com/office/drawing/2014/main" id="{A501938E-D029-F6F0-E018-F5240D9F27B0}"/>
-              </a:ext>
-            </a:extLst>
-          </p:cNvPr>
-          <p:cNvPicPr>
-            <a:picLocks noChangeAspect="1" noChangeArrowheads="1"/>
-          </p:cNvPicPr>
-          <p:nvPr/>
-        </p:nvPicPr>
-        <p:blipFill>
-          <a:blip r:embed="rId20">
-            <a:extLst>
-              <a:ext uri="{28A0092B-C50C-407E-A947-70E740481C1C}">
-                <a14:useLocalDpi xmlns:a14="http://schemas.microsoft.com/office/drawing/2010/main" val="0"/>
-              </a:ext>
-            </a:extLst>
-          </a:blip>
-          <a:srcRect/>
-          <a:stretch>
-            <a:fillRect/>
-          </a:stretch>
-        </p:blipFill>
-        <p:spPr bwMode="auto">
-          <a:xfrm>
-            <a:off x="11898784" y="3421624"/>
-            <a:ext cx="2509707" cy="836569"/>
-          </a:xfrm>
-          <a:prstGeom prst="rect">
-            <a:avLst/>
-          </a:prstGeom>
-          <a:noFill/>
-          <a:extLst>
-            <a:ext uri="{909E8E84-426E-40DD-AFC4-6F175D3DCCD1}">
-              <a14:hiddenFill xmlns:a14="http://schemas.microsoft.com/office/drawing/2010/main">
-                <a:solidFill>
-                  <a:srgbClr val="FFFFFF"/>
-                </a:solidFill>
-              </a14:hiddenFill>
-            </a:ext>
-          </a:extLst>
-        </p:spPr>
-      </p:pic>
       <p:sp>
         <p:nvSpPr>
           <p:cNvPr id="18" name="AutoShape 8">
@@ -1901,7 +1854,7 @@
         </p:nvSpPr>
         <p:spPr bwMode="auto">
           <a:xfrm>
-            <a:off x="7296079" y="3427169"/>
+            <a:off x="6492904" y="3682138"/>
             <a:ext cx="283076" cy="283076"/>
           </a:xfrm>
           <a:prstGeom prst="rect">
@@ -1945,14 +1898,14 @@
           <p:nvPr/>
         </p:nvPicPr>
         <p:blipFill>
-          <a:blip r:embed="rId21"/>
-          <a:stretch>
-            <a:fillRect/>
-          </a:stretch>
-        </p:blipFill>
-        <p:spPr>
-          <a:xfrm>
-            <a:off x="11079798" y="5910501"/>
+          <a:blip r:embed="rId20"/>
+          <a:stretch>
+            <a:fillRect/>
+          </a:stretch>
+        </p:blipFill>
+        <p:spPr>
+          <a:xfrm>
+            <a:off x="11079798" y="5869347"/>
             <a:ext cx="3034226" cy="450455"/>
           </a:xfrm>
           <a:prstGeom prst="rect">
@@ -1975,10 +1928,10 @@
           <p:nvPr/>
         </p:nvPicPr>
         <p:blipFill>
-          <a:blip r:embed="rId22">
+          <a:blip r:embed="rId21">
             <a:extLst>
               <a:ext uri="{96DAC541-7B7A-43D3-8B79-37D633B846F1}">
-                <asvg:svgBlip xmlns:asvg="http://schemas.microsoft.com/office/drawing/2016/SVG/main" r:embed="rId23"/>
+                <asvg:svgBlip xmlns:asvg="http://schemas.microsoft.com/office/drawing/2016/SVG/main" r:embed="rId22"/>
               </a:ext>
             </a:extLst>
           </a:blip>
@@ -1988,7 +1941,7 @@
         </p:blipFill>
         <p:spPr>
           <a:xfrm>
-            <a:off x="7606013" y="5960575"/>
+            <a:off x="7839655" y="5919421"/>
             <a:ext cx="2880299" cy="350307"/>
           </a:xfrm>
           <a:prstGeom prst="rect">
@@ -2011,7 +1964,7 @@
           <p:nvPr/>
         </p:nvPicPr>
         <p:blipFill>
-          <a:blip r:embed="rId24">
+          <a:blip r:embed="rId23">
             <a:extLst>
               <a:ext uri="{28A0092B-C50C-407E-A947-70E740481C1C}">
                 <a14:useLocalDpi xmlns:a14="http://schemas.microsoft.com/office/drawing/2010/main" val="0"/>
@@ -2025,7 +1978,7 @@
         </p:blipFill>
         <p:spPr bwMode="auto">
           <a:xfrm>
-            <a:off x="4342224" y="5804723"/>
+            <a:off x="5047294" y="5779067"/>
             <a:ext cx="631015" cy="631015"/>
           </a:xfrm>
           <a:prstGeom prst="rect">
@@ -2057,23 +2010,23 @@
           </p:cNvPicPr>
           <p:nvPr/>
         </p:nvPicPr>
-        <p:blipFill>
-          <a:blip r:embed="rId25">
+        <p:blipFill rotWithShape="1">
+          <a:blip r:embed="rId24">
             <a:extLst>
               <a:ext uri="{28A0092B-C50C-407E-A947-70E740481C1C}">
                 <a14:useLocalDpi xmlns:a14="http://schemas.microsoft.com/office/drawing/2010/main" val="0"/>
               </a:ext>
             </a:extLst>
           </a:blip>
-          <a:srcRect/>
+          <a:srcRect r="29427"/>
           <a:stretch>
             <a:fillRect/>
           </a:stretch>
         </p:blipFill>
         <p:spPr bwMode="auto">
           <a:xfrm>
-            <a:off x="5529108" y="5777408"/>
-            <a:ext cx="1995689" cy="623653"/>
+            <a:off x="6054778" y="5782748"/>
+            <a:ext cx="1408408" cy="623653"/>
           </a:xfrm>
           <a:prstGeom prst="rect">
             <a:avLst/>
@@ -2105,6 +2058,36 @@
           <p:nvPr/>
         </p:nvPicPr>
         <p:blipFill>
+          <a:blip r:embed="rId25"/>
+          <a:stretch>
+            <a:fillRect/>
+          </a:stretch>
+        </p:blipFill>
+        <p:spPr>
+          <a:xfrm>
+            <a:off x="12079248" y="4759443"/>
+            <a:ext cx="2034776" cy="443581"/>
+          </a:xfrm>
+          <a:prstGeom prst="rect">
+            <a:avLst/>
+          </a:prstGeom>
+        </p:spPr>
+      </p:pic>
+      <p:pic>
+        <p:nvPicPr>
+          <p:cNvPr id="17" name="Picture 16" descr="A logo with a smile&#10;&#10;AI-generated content may be incorrect.">
+            <a:extLst>
+              <a:ext uri="{FF2B5EF4-FFF2-40B4-BE49-F238E27FC236}">
+                <a16:creationId xmlns:a16="http://schemas.microsoft.com/office/drawing/2014/main" id="{7DF345C8-0D38-6207-90B3-279314C74536}"/>
+              </a:ext>
+            </a:extLst>
+          </p:cNvPr>
+          <p:cNvPicPr>
+            <a:picLocks noChangeAspect="1"/>
+          </p:cNvPicPr>
+          <p:nvPr/>
+        </p:nvPicPr>
+        <p:blipFill>
           <a:blip r:embed="rId26"/>
           <a:stretch>
             <a:fillRect/>
@@ -2112,20 +2095,20 @@
         </p:blipFill>
         <p:spPr>
           <a:xfrm>
-            <a:off x="12079248" y="4777782"/>
-            <a:ext cx="2034776" cy="443581"/>
-          </a:xfrm>
-          <a:prstGeom prst="rect">
-            <a:avLst/>
-          </a:prstGeom>
-        </p:spPr>
-      </p:pic>
-      <p:pic>
-        <p:nvPicPr>
-          <p:cNvPr id="17" name="Picture 16" descr="A logo with a smile&#10;&#10;AI-generated content may be incorrect.">
-            <a:extLst>
-              <a:ext uri="{FF2B5EF4-FFF2-40B4-BE49-F238E27FC236}">
-                <a16:creationId xmlns:a16="http://schemas.microsoft.com/office/drawing/2014/main" id="{7DF345C8-0D38-6207-90B3-279314C74536}"/>
+            <a:off x="10046589" y="2287643"/>
+            <a:ext cx="981650" cy="981650"/>
+          </a:xfrm>
+          <a:prstGeom prst="rect">
+            <a:avLst/>
+          </a:prstGeom>
+        </p:spPr>
+      </p:pic>
+      <p:pic>
+        <p:nvPicPr>
+          <p:cNvPr id="21" name="Picture 20" descr="A blue and white logo&#10;&#10;AI-generated content may be incorrect.">
+            <a:extLst>
+              <a:ext uri="{FF2B5EF4-FFF2-40B4-BE49-F238E27FC236}">
+                <a16:creationId xmlns:a16="http://schemas.microsoft.com/office/drawing/2014/main" id="{1F30E72C-C39F-F7D4-962C-B622EDF863AB}"/>
               </a:ext>
             </a:extLst>
           </p:cNvPr>
@@ -2136,26 +2119,27 @@
         </p:nvPicPr>
         <p:blipFill>
           <a:blip r:embed="rId27"/>
-          <a:stretch>
-            <a:fillRect/>
-          </a:stretch>
-        </p:blipFill>
-        <p:spPr>
-          <a:xfrm>
-            <a:off x="10096464" y="2287643"/>
-            <a:ext cx="981650" cy="981650"/>
-          </a:xfrm>
-          <a:prstGeom prst="rect">
-            <a:avLst/>
-          </a:prstGeom>
-        </p:spPr>
-      </p:pic>
-      <p:pic>
-        <p:nvPicPr>
-          <p:cNvPr id="21" name="Picture 20" descr="A blue and white logo&#10;&#10;AI-generated content may be incorrect.">
-            <a:extLst>
-              <a:ext uri="{FF2B5EF4-FFF2-40B4-BE49-F238E27FC236}">
-                <a16:creationId xmlns:a16="http://schemas.microsoft.com/office/drawing/2014/main" id="{1F30E72C-C39F-F7D4-962C-B622EDF863AB}"/>
+          <a:srcRect t="22904" b="22903"/>
+          <a:stretch>
+            <a:fillRect/>
+          </a:stretch>
+        </p:blipFill>
+        <p:spPr>
+          <a:xfrm>
+            <a:off x="7131875" y="1291985"/>
+            <a:ext cx="1402782" cy="760215"/>
+          </a:xfrm>
+          <a:prstGeom prst="rect">
+            <a:avLst/>
+          </a:prstGeom>
+        </p:spPr>
+      </p:pic>
+      <p:pic>
+        <p:nvPicPr>
+          <p:cNvPr id="23" name="Picture 22" descr="A blue and green pyramids&#10;&#10;AI-generated content may be incorrect.">
+            <a:extLst>
+              <a:ext uri="{FF2B5EF4-FFF2-40B4-BE49-F238E27FC236}">
+                <a16:creationId xmlns:a16="http://schemas.microsoft.com/office/drawing/2014/main" id="{541182B1-53E4-F6E7-AA36-EB51ABD7FD03}"/>
               </a:ext>
             </a:extLst>
           </p:cNvPr>
@@ -2172,20 +2156,20 @@
         </p:blipFill>
         <p:spPr>
           <a:xfrm>
-            <a:off x="7268716" y="970701"/>
-            <a:ext cx="1402782" cy="1402782"/>
-          </a:xfrm>
-          <a:prstGeom prst="rect">
-            <a:avLst/>
-          </a:prstGeom>
-        </p:spPr>
-      </p:pic>
-      <p:pic>
-        <p:nvPicPr>
-          <p:cNvPr id="23" name="Picture 22" descr="A blue and green pyramids&#10;&#10;AI-generated content may be incorrect.">
-            <a:extLst>
-              <a:ext uri="{FF2B5EF4-FFF2-40B4-BE49-F238E27FC236}">
-                <a16:creationId xmlns:a16="http://schemas.microsoft.com/office/drawing/2014/main" id="{541182B1-53E4-F6E7-AA36-EB51ABD7FD03}"/>
+            <a:off x="665215" y="5758751"/>
+            <a:ext cx="671647" cy="671647"/>
+          </a:xfrm>
+          <a:prstGeom prst="rect">
+            <a:avLst/>
+          </a:prstGeom>
+        </p:spPr>
+      </p:pic>
+      <p:pic>
+        <p:nvPicPr>
+          <p:cNvPr id="27" name="Picture 26" descr="A logo for a company&#10;&#10;AI-generated content may be incorrect.">
+            <a:extLst>
+              <a:ext uri="{FF2B5EF4-FFF2-40B4-BE49-F238E27FC236}">
+                <a16:creationId xmlns:a16="http://schemas.microsoft.com/office/drawing/2014/main" id="{87E3A998-ACE5-C992-3A8F-49576F657A97}"/>
               </a:ext>
             </a:extLst>
           </p:cNvPr>
@@ -2202,20 +2186,20 @@
         </p:blipFill>
         <p:spPr>
           <a:xfrm>
-            <a:off x="665215" y="5753411"/>
-            <a:ext cx="671647" cy="671647"/>
-          </a:xfrm>
-          <a:prstGeom prst="rect">
-            <a:avLst/>
-          </a:prstGeom>
-        </p:spPr>
-      </p:pic>
-      <p:pic>
-        <p:nvPicPr>
-          <p:cNvPr id="27" name="Picture 26" descr="A logo for a company&#10;&#10;AI-generated content may be incorrect.">
-            <a:extLst>
-              <a:ext uri="{FF2B5EF4-FFF2-40B4-BE49-F238E27FC236}">
-                <a16:creationId xmlns:a16="http://schemas.microsoft.com/office/drawing/2014/main" id="{87E3A998-ACE5-C992-3A8F-49576F657A97}"/>
+            <a:off x="7556936" y="2308568"/>
+            <a:ext cx="1625600" cy="939800"/>
+          </a:xfrm>
+          <a:prstGeom prst="rect">
+            <a:avLst/>
+          </a:prstGeom>
+        </p:spPr>
+      </p:pic>
+      <p:pic>
+        <p:nvPicPr>
+          <p:cNvPr id="29" name="Picture 28" descr="A purple letter w on a white background&#10;&#10;AI-generated content may be incorrect.">
+            <a:extLst>
+              <a:ext uri="{FF2B5EF4-FFF2-40B4-BE49-F238E27FC236}">
+                <a16:creationId xmlns:a16="http://schemas.microsoft.com/office/drawing/2014/main" id="{3FA50932-5CDB-7FBE-F03B-9875D6C9DF82}"/>
               </a:ext>
             </a:extLst>
           </p:cNvPr>
@@ -2232,20 +2216,20 @@
         </p:blipFill>
         <p:spPr>
           <a:xfrm>
-            <a:off x="7656686" y="2308568"/>
-            <a:ext cx="1625600" cy="939800"/>
-          </a:xfrm>
-          <a:prstGeom prst="rect">
-            <a:avLst/>
-          </a:prstGeom>
-        </p:spPr>
-      </p:pic>
-      <p:pic>
-        <p:nvPicPr>
-          <p:cNvPr id="29" name="Picture 28" descr="A purple letter w on a white background&#10;&#10;AI-generated content may be incorrect.">
-            <a:extLst>
-              <a:ext uri="{FF2B5EF4-FFF2-40B4-BE49-F238E27FC236}">
-                <a16:creationId xmlns:a16="http://schemas.microsoft.com/office/drawing/2014/main" id="{3FA50932-5CDB-7FBE-F03B-9875D6C9DF82}"/>
+            <a:off x="3391673" y="4737052"/>
+            <a:ext cx="712745" cy="488362"/>
+          </a:xfrm>
+          <a:prstGeom prst="rect">
+            <a:avLst/>
+          </a:prstGeom>
+        </p:spPr>
+      </p:pic>
+      <p:pic>
+        <p:nvPicPr>
+          <p:cNvPr id="34" name="Picture 33" descr="A red and black rectangles with a cross&#10;&#10;AI-generated content may be incorrect.">
+            <a:extLst>
+              <a:ext uri="{FF2B5EF4-FFF2-40B4-BE49-F238E27FC236}">
+                <a16:creationId xmlns:a16="http://schemas.microsoft.com/office/drawing/2014/main" id="{A3D960FD-B04C-28BB-59A4-4103401D9562}"/>
               </a:ext>
             </a:extLst>
           </p:cNvPr>
@@ -2262,20 +2246,20 @@
         </p:blipFill>
         <p:spPr>
           <a:xfrm>
-            <a:off x="3768117" y="4755391"/>
-            <a:ext cx="712745" cy="488362"/>
-          </a:xfrm>
-          <a:prstGeom prst="rect">
-            <a:avLst/>
-          </a:prstGeom>
-        </p:spPr>
-      </p:pic>
-      <p:pic>
-        <p:nvPicPr>
-          <p:cNvPr id="34" name="Picture 33" descr="A red and black rectangles with a cross&#10;&#10;AI-generated content may be incorrect.">
-            <a:extLst>
-              <a:ext uri="{FF2B5EF4-FFF2-40B4-BE49-F238E27FC236}">
-                <a16:creationId xmlns:a16="http://schemas.microsoft.com/office/drawing/2014/main" id="{A3D960FD-B04C-28BB-59A4-4103401D9562}"/>
+            <a:off x="665425" y="4726333"/>
+            <a:ext cx="985819" cy="509801"/>
+          </a:xfrm>
+          <a:prstGeom prst="rect">
+            <a:avLst/>
+          </a:prstGeom>
+        </p:spPr>
+      </p:pic>
+      <p:pic>
+        <p:nvPicPr>
+          <p:cNvPr id="39" name="Picture 38" descr="A purple logo with text and a star&#10;&#10;AI-generated content may be incorrect.">
+            <a:extLst>
+              <a:ext uri="{FF2B5EF4-FFF2-40B4-BE49-F238E27FC236}">
+                <a16:creationId xmlns:a16="http://schemas.microsoft.com/office/drawing/2014/main" id="{AFAF5253-2004-7AC5-7F90-921DB0C22982}"/>
               </a:ext>
             </a:extLst>
           </p:cNvPr>
@@ -2292,80 +2276,200 @@
         </p:blipFill>
         <p:spPr>
           <a:xfrm>
-            <a:off x="665425" y="4744672"/>
-            <a:ext cx="985819" cy="509801"/>
-          </a:xfrm>
-          <a:prstGeom prst="rect">
-            <a:avLst/>
-          </a:prstGeom>
-        </p:spPr>
-      </p:pic>
-      <p:cxnSp>
-        <p:nvCxnSpPr>
-          <p:cNvPr id="36" name="Straight Connector 35">
-            <a:extLst>
-              <a:ext uri="{FF2B5EF4-FFF2-40B4-BE49-F238E27FC236}">
-                <a16:creationId xmlns:a16="http://schemas.microsoft.com/office/drawing/2014/main" id="{16FCA78D-7158-7E56-1CFF-7C3682DCB0E7}"/>
-              </a:ext>
-            </a:extLst>
-          </p:cNvPr>
-          <p:cNvCxnSpPr>
-            <a:cxnSpLocks/>
-          </p:cNvCxnSpPr>
-          <p:nvPr/>
-        </p:nvCxnSpPr>
-        <p:spPr>
-          <a:xfrm>
-            <a:off x="565899" y="9444826"/>
-            <a:ext cx="14428922" cy="0"/>
-          </a:xfrm>
-          <a:prstGeom prst="line">
-            <a:avLst/>
-          </a:prstGeom>
-        </p:spPr>
-        <p:style>
-          <a:lnRef idx="1">
-            <a:schemeClr val="accent1"/>
-          </a:lnRef>
-          <a:fillRef idx="0">
-            <a:schemeClr val="accent1"/>
-          </a:fillRef>
-          <a:effectRef idx="0">
-            <a:schemeClr val="accent1"/>
-          </a:effectRef>
-          <a:fontRef idx="minor">
-            <a:schemeClr val="tx1"/>
-          </a:fontRef>
-        </p:style>
-      </p:cxnSp>
-      <p:pic>
-        <p:nvPicPr>
-          <p:cNvPr id="39" name="Picture 38" descr="A purple logo with text and a star&#10;&#10;AI-generated content may be incorrect.">
-            <a:extLst>
-              <a:ext uri="{FF2B5EF4-FFF2-40B4-BE49-F238E27FC236}">
-                <a16:creationId xmlns:a16="http://schemas.microsoft.com/office/drawing/2014/main" id="{AFAF5253-2004-7AC5-7F90-921DB0C22982}"/>
-              </a:ext>
-            </a:extLst>
-          </p:cNvPr>
-          <p:cNvPicPr>
-            <a:picLocks noChangeAspect="1"/>
-          </p:cNvPicPr>
-          <p:nvPr/>
-        </p:nvPicPr>
-        <p:blipFill>
-          <a:blip r:embed="rId33"/>
-          <a:stretch>
-            <a:fillRect/>
-          </a:stretch>
-        </p:blipFill>
-        <p:spPr>
-          <a:xfrm>
-            <a:off x="9557957" y="4636286"/>
+            <a:off x="9832019" y="4617947"/>
             <a:ext cx="726573" cy="726573"/>
           </a:xfrm>
           <a:prstGeom prst="rect">
             <a:avLst/>
           </a:prstGeom>
+        </p:spPr>
+      </p:pic>
+      <p:pic>
+        <p:nvPicPr>
+          <p:cNvPr id="1026" name="Picture 2" descr="Baidu logo - Free Icon PNG, SVG">
+            <a:extLst>
+              <a:ext uri="{FF2B5EF4-FFF2-40B4-BE49-F238E27FC236}">
+                <a16:creationId xmlns:a16="http://schemas.microsoft.com/office/drawing/2014/main" id="{152CC21B-A901-EC59-E944-C62F624A6085}"/>
+              </a:ext>
+            </a:extLst>
+          </p:cNvPr>
+          <p:cNvPicPr>
+            <a:picLocks noChangeAspect="1" noChangeArrowheads="1"/>
+          </p:cNvPicPr>
+          <p:nvPr/>
+        </p:nvPicPr>
+        <p:blipFill>
+          <a:blip r:embed="rId33">
+            <a:extLst>
+              <a:ext uri="{28A0092B-C50C-407E-A947-70E740481C1C}">
+                <a14:useLocalDpi xmlns:a14="http://schemas.microsoft.com/office/drawing/2010/main" val="0"/>
+              </a:ext>
+            </a:extLst>
+          </a:blip>
+          <a:srcRect/>
+          <a:stretch>
+            <a:fillRect/>
+          </a:stretch>
+        </p:blipFill>
+        <p:spPr bwMode="auto">
+          <a:xfrm>
+            <a:off x="10987486" y="4624861"/>
+            <a:ext cx="712745" cy="712745"/>
+          </a:xfrm>
+          <a:prstGeom prst="rect">
+            <a:avLst/>
+          </a:prstGeom>
+          <a:noFill/>
+          <a:extLst>
+            <a:ext uri="{909E8E84-426E-40DD-AFC4-6F175D3DCCD1}">
+              <a14:hiddenFill xmlns:a14="http://schemas.microsoft.com/office/drawing/2010/main">
+                <a:solidFill>
+                  <a:srgbClr val="FFFFFF"/>
+                </a:solidFill>
+              </a14:hiddenFill>
+            </a:ext>
+          </a:extLst>
+        </p:spPr>
+      </p:pic>
+      <p:pic>
+        <p:nvPicPr>
+          <p:cNvPr id="2" name="Picture 4" descr="WeChat Logo PNG Transparent &amp; SVG Vector - Freebie Supply">
+            <a:extLst>
+              <a:ext uri="{FF2B5EF4-FFF2-40B4-BE49-F238E27FC236}">
+                <a16:creationId xmlns:a16="http://schemas.microsoft.com/office/drawing/2014/main" id="{4AA323CD-1619-4B0C-3F01-A273F1BC4D7D}"/>
+              </a:ext>
+            </a:extLst>
+          </p:cNvPr>
+          <p:cNvPicPr>
+            <a:picLocks noChangeAspect="1" noChangeArrowheads="1"/>
+          </p:cNvPicPr>
+          <p:nvPr/>
+        </p:nvPicPr>
+        <p:blipFill>
+          <a:blip r:embed="rId34">
+            <a:extLst>
+              <a:ext uri="{28A0092B-C50C-407E-A947-70E740481C1C}">
+                <a14:useLocalDpi xmlns:a14="http://schemas.microsoft.com/office/drawing/2010/main" val="0"/>
+              </a:ext>
+            </a:extLst>
+          </a:blip>
+          <a:srcRect/>
+          <a:stretch>
+            <a:fillRect/>
+          </a:stretch>
+        </p:blipFill>
+        <p:spPr bwMode="auto">
+          <a:xfrm>
+            <a:off x="4030547" y="5782748"/>
+            <a:ext cx="623653" cy="623653"/>
+          </a:xfrm>
+          <a:prstGeom prst="rect">
+            <a:avLst/>
+          </a:prstGeom>
+          <a:noFill/>
+          <a:extLst>
+            <a:ext uri="{909E8E84-426E-40DD-AFC4-6F175D3DCCD1}">
+              <a14:hiddenFill xmlns:a14="http://schemas.microsoft.com/office/drawing/2010/main">
+                <a:solidFill>
+                  <a:srgbClr val="FFFFFF"/>
+                </a:solidFill>
+              </a14:hiddenFill>
+            </a:ext>
+          </a:extLst>
+        </p:spPr>
+      </p:pic>
+      <p:pic>
+        <p:nvPicPr>
+          <p:cNvPr id="1030" name="Picture 6" descr="RunPod Expands with New Office in Charlotte, North Carolina">
+            <a:extLst>
+              <a:ext uri="{FF2B5EF4-FFF2-40B4-BE49-F238E27FC236}">
+                <a16:creationId xmlns:a16="http://schemas.microsoft.com/office/drawing/2014/main" id="{52D44F9E-14E8-0216-2F87-863363297ADC}"/>
+              </a:ext>
+            </a:extLst>
+          </p:cNvPr>
+          <p:cNvPicPr>
+            <a:picLocks noChangeAspect="1" noChangeArrowheads="1"/>
+          </p:cNvPicPr>
+          <p:nvPr/>
+        </p:nvPicPr>
+        <p:blipFill>
+          <a:blip r:embed="rId35">
+            <a:extLst>
+              <a:ext uri="{28A0092B-C50C-407E-A947-70E740481C1C}">
+                <a14:useLocalDpi xmlns:a14="http://schemas.microsoft.com/office/drawing/2010/main" val="0"/>
+              </a:ext>
+            </a:extLst>
+          </a:blip>
+          <a:srcRect/>
+          <a:stretch>
+            <a:fillRect/>
+          </a:stretch>
+        </p:blipFill>
+        <p:spPr bwMode="auto">
+          <a:xfrm>
+            <a:off x="10369770" y="3430141"/>
+            <a:ext cx="1574140" cy="787070"/>
+          </a:xfrm>
+          <a:prstGeom prst="rect">
+            <a:avLst/>
+          </a:prstGeom>
+          <a:noFill/>
+          <a:extLst>
+            <a:ext uri="{909E8E84-426E-40DD-AFC4-6F175D3DCCD1}">
+              <a14:hiddenFill xmlns:a14="http://schemas.microsoft.com/office/drawing/2010/main">
+                <a:solidFill>
+                  <a:srgbClr val="FFFFFF"/>
+                </a:solidFill>
+              </a14:hiddenFill>
+            </a:ext>
+          </a:extLst>
+        </p:spPr>
+      </p:pic>
+      <p:pic>
+        <p:nvPicPr>
+          <p:cNvPr id="1032" name="Picture 8" descr="Wordmarks, Lettermark, Unitmarks - The CMU Brand - Carnegie Mellon  University">
+            <a:extLst>
+              <a:ext uri="{FF2B5EF4-FFF2-40B4-BE49-F238E27FC236}">
+                <a16:creationId xmlns:a16="http://schemas.microsoft.com/office/drawing/2014/main" id="{DE1F1457-1CB6-768C-60D7-18CD276D14D3}"/>
+              </a:ext>
+            </a:extLst>
+          </p:cNvPr>
+          <p:cNvPicPr>
+            <a:picLocks noChangeAspect="1" noChangeArrowheads="1"/>
+          </p:cNvPicPr>
+          <p:nvPr/>
+        </p:nvPicPr>
+        <p:blipFill>
+          <a:blip r:embed="rId36">
+            <a:extLst>
+              <a:ext uri="{28A0092B-C50C-407E-A947-70E740481C1C}">
+                <a14:useLocalDpi xmlns:a14="http://schemas.microsoft.com/office/drawing/2010/main" val="0"/>
+              </a:ext>
+            </a:extLst>
+          </a:blip>
+          <a:srcRect/>
+          <a:stretch>
+            <a:fillRect/>
+          </a:stretch>
+        </p:blipFill>
+        <p:spPr bwMode="auto">
+          <a:xfrm>
+            <a:off x="8569973" y="4481531"/>
+            <a:ext cx="999404" cy="999404"/>
+          </a:xfrm>
+          <a:prstGeom prst="rect">
+            <a:avLst/>
+          </a:prstGeom>
+          <a:noFill/>
+          <a:extLst>
+            <a:ext uri="{909E8E84-426E-40DD-AFC4-6F175D3DCCD1}">
+              <a14:hiddenFill xmlns:a14="http://schemas.microsoft.com/office/drawing/2010/main">
+                <a:solidFill>
+                  <a:srgbClr val="FFFFFF"/>
+                </a:solidFill>
+              </a14:hiddenFill>
+            </a:ext>
+          </a:extLst>
         </p:spPr>
       </p:pic>
     </p:spTree>
